--- a/jatekbemutato.pptx
+++ b/jatekbemutato.pptx
@@ -8,6 +8,8 @@
     <p:sldId id="256" r:id="rId2"/>
     <p:sldId id="257" r:id="rId3"/>
     <p:sldId id="258" r:id="rId4"/>
+    <p:sldId id="259" r:id="rId5"/>
+    <p:sldId id="260" r:id="rId6"/>
   </p:sldIdLst>
   <p:sldSz cx="12192000" cy="6858000"/>
   <p:notesSz cx="6858000" cy="9144000"/>
@@ -106,13 +108,31 @@
       </a:defRPr>
     </a:lvl9pPr>
   </p:defaultTextStyle>
+  <p:extLst>
+    <p:ext uri="{521415D9-36F7-43E2-AB2F-B90AF26B5E84}">
+      <p14:sectionLst xmlns:p14="http://schemas.microsoft.com/office/powerpoint/2010/main">
+        <p14:section name="Alapértelmezett szakasz" id="{B015D1EC-9173-4E5A-813C-60570F241911}">
+          <p14:sldIdLst>
+            <p14:sldId id="256"/>
+            <p14:sldId id="257"/>
+            <p14:sldId id="258"/>
+            <p14:sldId id="259"/>
+            <p14:sldId id="260"/>
+          </p14:sldIdLst>
+        </p14:section>
+      </p14:sectionLst>
+    </p:ext>
+    <p:ext uri="{EFAFB233-063F-42B5-8137-9DF3F51BA10A}">
+      <p15:sldGuideLst xmlns:p15="http://schemas.microsoft.com/office/powerpoint/2012/main"/>
+    </p:ext>
+  </p:extLst>
 </p:presentation>
 </file>
 
 <file path=ppt/revisionInfo.xml><?xml version="1.0" encoding="utf-8"?>
 <p1510:revInfo xmlns:a="http://schemas.openxmlformats.org/drawingml/2006/main" xmlns:r="http://schemas.openxmlformats.org/officeDocument/2006/relationships" xmlns:p1510="http://schemas.microsoft.com/office/powerpoint/2015/10/main">
   <p1510:revLst>
-    <p1510:client id="{34E8C8A4-3ACB-4D8B-8D7E-A4A442CE5776}" v="1" dt="2024-01-04T16:07:32.678"/>
+    <p1510:client id="{34E8C8A4-3ACB-4D8B-8D7E-A4A442CE5776}" v="28" dt="2024-01-05T11:36:54.369"/>
   </p1510:revLst>
 </p1510:revInfo>
 </file>
@@ -121,23 +141,31 @@
 <pc:chgInfo xmlns:a="http://schemas.openxmlformats.org/drawingml/2006/main" xmlns:r="http://schemas.openxmlformats.org/officeDocument/2006/relationships" xmlns:ac="http://schemas.microsoft.com/office/drawing/2013/main/command" xmlns:pc="http://schemas.microsoft.com/office/powerpoint/2013/main/command">
   <pc:docChgLst>
     <pc:chgData name="Jovanovski Viktor" userId="20e7a454bccbadbb" providerId="LiveId" clId="{34E8C8A4-3ACB-4D8B-8D7E-A4A442CE5776}"/>
-    <pc:docChg chg="custSel addSld modSld">
-      <pc:chgData name="Jovanovski Viktor" userId="20e7a454bccbadbb" providerId="LiveId" clId="{34E8C8A4-3ACB-4D8B-8D7E-A4A442CE5776}" dt="2024-01-04T16:07:50.520" v="19" actId="680"/>
+    <pc:docChg chg="undo custSel addSld delSld modSld addSection delSection modSection">
+      <pc:chgData name="Jovanovski Viktor" userId="20e7a454bccbadbb" providerId="LiveId" clId="{34E8C8A4-3ACB-4D8B-8D7E-A4A442CE5776}" dt="2024-01-05T11:37:50.397" v="961" actId="1076"/>
       <pc:docMkLst>
         <pc:docMk/>
       </pc:docMkLst>
-      <pc:sldChg chg="modSp new mod">
-        <pc:chgData name="Jovanovski Viktor" userId="20e7a454bccbadbb" providerId="LiveId" clId="{34E8C8A4-3ACB-4D8B-8D7E-A4A442CE5776}" dt="2024-01-04T16:03:43.649" v="11" actId="20577"/>
+      <pc:sldChg chg="delSp modSp new mod">
+        <pc:chgData name="Jovanovski Viktor" userId="20e7a454bccbadbb" providerId="LiveId" clId="{34E8C8A4-3ACB-4D8B-8D7E-A4A442CE5776}" dt="2024-01-05T11:02:02.348" v="62" actId="20577"/>
         <pc:sldMkLst>
           <pc:docMk/>
           <pc:sldMk cId="1695066431" sldId="256"/>
         </pc:sldMkLst>
         <pc:spChg chg="mod">
-          <ac:chgData name="Jovanovski Viktor" userId="20e7a454bccbadbb" providerId="LiveId" clId="{34E8C8A4-3ACB-4D8B-8D7E-A4A442CE5776}" dt="2024-01-04T16:03:43.649" v="11" actId="20577"/>
+          <ac:chgData name="Jovanovski Viktor" userId="20e7a454bccbadbb" providerId="LiveId" clId="{34E8C8A4-3ACB-4D8B-8D7E-A4A442CE5776}" dt="2024-01-05T11:02:02.348" v="62" actId="20577"/>
           <ac:spMkLst>
             <pc:docMk/>
             <pc:sldMk cId="1695066431" sldId="256"/>
             <ac:spMk id="2" creationId="{B7F521D5-93E7-8FA5-5BCD-0481C99274C8}"/>
+          </ac:spMkLst>
+        </pc:spChg>
+        <pc:spChg chg="del">
+          <ac:chgData name="Jovanovski Viktor" userId="20e7a454bccbadbb" providerId="LiveId" clId="{34E8C8A4-3ACB-4D8B-8D7E-A4A442CE5776}" dt="2024-01-05T11:00:29.633" v="20" actId="478"/>
+          <ac:spMkLst>
+            <pc:docMk/>
+            <pc:sldMk cId="1695066431" sldId="256"/>
+            <ac:spMk id="3" creationId="{619844E4-54A2-1BA7-8230-5D063BA8C53A}"/>
           </ac:spMkLst>
         </pc:spChg>
       </pc:sldChg>
@@ -172,12 +200,425 @@
           </ac:picMkLst>
         </pc:picChg>
       </pc:sldChg>
-      <pc:sldChg chg="new">
-        <pc:chgData name="Jovanovski Viktor" userId="20e7a454bccbadbb" providerId="LiveId" clId="{34E8C8A4-3ACB-4D8B-8D7E-A4A442CE5776}" dt="2024-01-04T16:07:50.520" v="19" actId="680"/>
+      <pc:sldChg chg="addSp delSp modSp new mod">
+        <pc:chgData name="Jovanovski Viktor" userId="20e7a454bccbadbb" providerId="LiveId" clId="{34E8C8A4-3ACB-4D8B-8D7E-A4A442CE5776}" dt="2024-01-05T11:36:05.855" v="908" actId="1076"/>
         <pc:sldMkLst>
           <pc:docMk/>
           <pc:sldMk cId="2561747689" sldId="258"/>
         </pc:sldMkLst>
+        <pc:spChg chg="mod">
+          <ac:chgData name="Jovanovski Viktor" userId="20e7a454bccbadbb" providerId="LiveId" clId="{34E8C8A4-3ACB-4D8B-8D7E-A4A442CE5776}" dt="2024-01-05T11:09:11.897" v="324" actId="1076"/>
+          <ac:spMkLst>
+            <pc:docMk/>
+            <pc:sldMk cId="2561747689" sldId="258"/>
+            <ac:spMk id="2" creationId="{AC9DD0FB-D28D-58F8-F80E-9238E15A9CFD}"/>
+          </ac:spMkLst>
+        </pc:spChg>
+        <pc:spChg chg="del">
+          <ac:chgData name="Jovanovski Viktor" userId="20e7a454bccbadbb" providerId="LiveId" clId="{34E8C8A4-3ACB-4D8B-8D7E-A4A442CE5776}" dt="2024-01-05T11:02:20.544" v="80" actId="478"/>
+          <ac:spMkLst>
+            <pc:docMk/>
+            <pc:sldMk cId="2561747689" sldId="258"/>
+            <ac:spMk id="3" creationId="{3EF4F979-2276-F97D-CB7F-89C3D45975F8}"/>
+          </ac:spMkLst>
+        </pc:spChg>
+        <pc:spChg chg="add mod">
+          <ac:chgData name="Jovanovski Viktor" userId="20e7a454bccbadbb" providerId="LiveId" clId="{34E8C8A4-3ACB-4D8B-8D7E-A4A442CE5776}" dt="2024-01-05T11:23:08.684" v="531" actId="1076"/>
+          <ac:spMkLst>
+            <pc:docMk/>
+            <pc:sldMk cId="2561747689" sldId="258"/>
+            <ac:spMk id="40" creationId="{CE3DCBF7-B56A-0E45-148A-77036C92EAB0}"/>
+          </ac:spMkLst>
+        </pc:spChg>
+        <pc:spChg chg="add mod">
+          <ac:chgData name="Jovanovski Viktor" userId="20e7a454bccbadbb" providerId="LiveId" clId="{34E8C8A4-3ACB-4D8B-8D7E-A4A442CE5776}" dt="2024-01-05T11:07:42.994" v="280" actId="1076"/>
+          <ac:spMkLst>
+            <pc:docMk/>
+            <pc:sldMk cId="2561747689" sldId="258"/>
+            <ac:spMk id="41" creationId="{359FC344-6203-ECE6-4F35-DA3D0994C911}"/>
+          </ac:spMkLst>
+        </pc:spChg>
+        <pc:spChg chg="add del mod">
+          <ac:chgData name="Jovanovski Viktor" userId="20e7a454bccbadbb" providerId="LiveId" clId="{34E8C8A4-3ACB-4D8B-8D7E-A4A442CE5776}" dt="2024-01-05T11:26:01.053" v="614" actId="21"/>
+          <ac:spMkLst>
+            <pc:docMk/>
+            <pc:sldMk cId="2561747689" sldId="258"/>
+            <ac:spMk id="42" creationId="{B276E1BF-95C1-FB1A-18E0-F3D7D20CB86B}"/>
+          </ac:spMkLst>
+        </pc:spChg>
+        <pc:spChg chg="add del mod">
+          <ac:chgData name="Jovanovski Viktor" userId="20e7a454bccbadbb" providerId="LiveId" clId="{34E8C8A4-3ACB-4D8B-8D7E-A4A442CE5776}" dt="2024-01-05T11:10:43.110" v="335"/>
+          <ac:spMkLst>
+            <pc:docMk/>
+            <pc:sldMk cId="2561747689" sldId="258"/>
+            <ac:spMk id="43" creationId="{0C574591-8876-4FFB-4B85-22981E54C2BB}"/>
+          </ac:spMkLst>
+        </pc:spChg>
+        <pc:spChg chg="add mod">
+          <ac:chgData name="Jovanovski Viktor" userId="20e7a454bccbadbb" providerId="LiveId" clId="{34E8C8A4-3ACB-4D8B-8D7E-A4A442CE5776}" dt="2024-01-05T11:36:05.855" v="908" actId="1076"/>
+          <ac:spMkLst>
+            <pc:docMk/>
+            <pc:sldMk cId="2561747689" sldId="258"/>
+            <ac:spMk id="44" creationId="{E167084E-C223-63D8-7805-1168F4D995D0}"/>
+          </ac:spMkLst>
+        </pc:spChg>
+        <pc:spChg chg="add del mod">
+          <ac:chgData name="Jovanovski Viktor" userId="20e7a454bccbadbb" providerId="LiveId" clId="{34E8C8A4-3ACB-4D8B-8D7E-A4A442CE5776}" dt="2024-01-05T11:11:51.167" v="344"/>
+          <ac:spMkLst>
+            <pc:docMk/>
+            <pc:sldMk cId="2561747689" sldId="258"/>
+            <ac:spMk id="45" creationId="{6B70B06E-15CF-C0AC-F052-C1AE2D246089}"/>
+          </ac:spMkLst>
+        </pc:spChg>
+        <pc:spChg chg="add mod">
+          <ac:chgData name="Jovanovski Viktor" userId="20e7a454bccbadbb" providerId="LiveId" clId="{34E8C8A4-3ACB-4D8B-8D7E-A4A442CE5776}" dt="2024-01-05T11:23:12.171" v="532" actId="1076"/>
+          <ac:spMkLst>
+            <pc:docMk/>
+            <pc:sldMk cId="2561747689" sldId="258"/>
+            <ac:spMk id="46" creationId="{3935C6E3-CBBC-0ED0-906E-940C9D37C572}"/>
+          </ac:spMkLst>
+        </pc:spChg>
+        <pc:spChg chg="add mod">
+          <ac:chgData name="Jovanovski Viktor" userId="20e7a454bccbadbb" providerId="LiveId" clId="{34E8C8A4-3ACB-4D8B-8D7E-A4A442CE5776}" dt="2024-01-05T11:29:41.198" v="681" actId="1076"/>
+          <ac:spMkLst>
+            <pc:docMk/>
+            <pc:sldMk cId="2561747689" sldId="258"/>
+            <ac:spMk id="49" creationId="{3EB23AC5-88E7-36EA-BA7B-DE4973D12155}"/>
+          </ac:spMkLst>
+        </pc:spChg>
+        <pc:spChg chg="add mod">
+          <ac:chgData name="Jovanovski Viktor" userId="20e7a454bccbadbb" providerId="LiveId" clId="{34E8C8A4-3ACB-4D8B-8D7E-A4A442CE5776}" dt="2024-01-05T11:29:43.317" v="682" actId="1076"/>
+          <ac:spMkLst>
+            <pc:docMk/>
+            <pc:sldMk cId="2561747689" sldId="258"/>
+            <ac:spMk id="50" creationId="{B10B01AE-C0A0-B0C6-D35C-71DF3F0B86E8}"/>
+          </ac:spMkLst>
+        </pc:spChg>
+        <pc:picChg chg="add del mod">
+          <ac:chgData name="Jovanovski Viktor" userId="20e7a454bccbadbb" providerId="LiveId" clId="{34E8C8A4-3ACB-4D8B-8D7E-A4A442CE5776}" dt="2024-01-05T11:05:00.095" v="153" actId="478"/>
+          <ac:picMkLst>
+            <pc:docMk/>
+            <pc:sldMk cId="2561747689" sldId="258"/>
+            <ac:picMk id="5" creationId="{F97ADF73-F874-16A9-AE1D-BC53803507CE}"/>
+          </ac:picMkLst>
+        </pc:picChg>
+        <pc:picChg chg="add del mod">
+          <ac:chgData name="Jovanovski Viktor" userId="20e7a454bccbadbb" providerId="LiveId" clId="{34E8C8A4-3ACB-4D8B-8D7E-A4A442CE5776}" dt="2024-01-05T11:04:50.400" v="145" actId="478"/>
+          <ac:picMkLst>
+            <pc:docMk/>
+            <pc:sldMk cId="2561747689" sldId="258"/>
+            <ac:picMk id="7" creationId="{A4072F6D-725C-D99F-0A8B-6D222CD7AC3F}"/>
+          </ac:picMkLst>
+        </pc:picChg>
+        <pc:picChg chg="add del mod">
+          <ac:chgData name="Jovanovski Viktor" userId="20e7a454bccbadbb" providerId="LiveId" clId="{34E8C8A4-3ACB-4D8B-8D7E-A4A442CE5776}" dt="2024-01-05T11:05:00.545" v="154" actId="478"/>
+          <ac:picMkLst>
+            <pc:docMk/>
+            <pc:sldMk cId="2561747689" sldId="258"/>
+            <ac:picMk id="9" creationId="{1E0225B7-EF27-036E-D7C9-89DE71C4B183}"/>
+          </ac:picMkLst>
+        </pc:picChg>
+        <pc:picChg chg="add del mod">
+          <ac:chgData name="Jovanovski Viktor" userId="20e7a454bccbadbb" providerId="LiveId" clId="{34E8C8A4-3ACB-4D8B-8D7E-A4A442CE5776}" dt="2024-01-05T11:04:58.358" v="150" actId="478"/>
+          <ac:picMkLst>
+            <pc:docMk/>
+            <pc:sldMk cId="2561747689" sldId="258"/>
+            <ac:picMk id="11" creationId="{042510AB-840E-3435-A064-D202C330839E}"/>
+          </ac:picMkLst>
+        </pc:picChg>
+        <pc:picChg chg="add del mod">
+          <ac:chgData name="Jovanovski Viktor" userId="20e7a454bccbadbb" providerId="LiveId" clId="{34E8C8A4-3ACB-4D8B-8D7E-A4A442CE5776}" dt="2024-01-05T11:03:32.942" v="98" actId="478"/>
+          <ac:picMkLst>
+            <pc:docMk/>
+            <pc:sldMk cId="2561747689" sldId="258"/>
+            <ac:picMk id="13" creationId="{764684C3-5246-9EEE-FECA-44652DCB030E}"/>
+          </ac:picMkLst>
+        </pc:picChg>
+        <pc:picChg chg="add del mod">
+          <ac:chgData name="Jovanovski Viktor" userId="20e7a454bccbadbb" providerId="LiveId" clId="{34E8C8A4-3ACB-4D8B-8D7E-A4A442CE5776}" dt="2024-01-05T11:04:59.757" v="152" actId="478"/>
+          <ac:picMkLst>
+            <pc:docMk/>
+            <pc:sldMk cId="2561747689" sldId="258"/>
+            <ac:picMk id="15" creationId="{F2406B73-131E-4940-3A1B-0F301A255D4E}"/>
+          </ac:picMkLst>
+        </pc:picChg>
+        <pc:picChg chg="add del mod">
+          <ac:chgData name="Jovanovski Viktor" userId="20e7a454bccbadbb" providerId="LiveId" clId="{34E8C8A4-3ACB-4D8B-8D7E-A4A442CE5776}" dt="2024-01-05T11:04:53.410" v="148" actId="478"/>
+          <ac:picMkLst>
+            <pc:docMk/>
+            <pc:sldMk cId="2561747689" sldId="258"/>
+            <ac:picMk id="17" creationId="{DABE4F2E-21F9-F207-98FD-4FDCFC2407A1}"/>
+          </ac:picMkLst>
+        </pc:picChg>
+        <pc:picChg chg="add del mod">
+          <ac:chgData name="Jovanovski Viktor" userId="20e7a454bccbadbb" providerId="LiveId" clId="{34E8C8A4-3ACB-4D8B-8D7E-A4A442CE5776}" dt="2024-01-05T11:04:59.253" v="151" actId="478"/>
+          <ac:picMkLst>
+            <pc:docMk/>
+            <pc:sldMk cId="2561747689" sldId="258"/>
+            <ac:picMk id="19" creationId="{B512CAB7-8DB2-2B41-DFF2-EF457E87A5E8}"/>
+          </ac:picMkLst>
+        </pc:picChg>
+        <pc:picChg chg="add del mod">
+          <ac:chgData name="Jovanovski Viktor" userId="20e7a454bccbadbb" providerId="LiveId" clId="{34E8C8A4-3ACB-4D8B-8D7E-A4A442CE5776}" dt="2024-01-05T11:04:44.037" v="141" actId="478"/>
+          <ac:picMkLst>
+            <pc:docMk/>
+            <pc:sldMk cId="2561747689" sldId="258"/>
+            <ac:picMk id="21" creationId="{DCF36A5C-425D-C38F-16B4-23710FB008B3}"/>
+          </ac:picMkLst>
+        </pc:picChg>
+        <pc:picChg chg="add del mod">
+          <ac:chgData name="Jovanovski Viktor" userId="20e7a454bccbadbb" providerId="LiveId" clId="{34E8C8A4-3ACB-4D8B-8D7E-A4A442CE5776}" dt="2024-01-05T11:04:44.037" v="141" actId="478"/>
+          <ac:picMkLst>
+            <pc:docMk/>
+            <pc:sldMk cId="2561747689" sldId="258"/>
+            <ac:picMk id="23" creationId="{5F590C8B-3A78-8189-ED52-5F4339FD8211}"/>
+          </ac:picMkLst>
+        </pc:picChg>
+        <pc:picChg chg="add del mod">
+          <ac:chgData name="Jovanovski Viktor" userId="20e7a454bccbadbb" providerId="LiveId" clId="{34E8C8A4-3ACB-4D8B-8D7E-A4A442CE5776}" dt="2024-01-05T11:03:50.312" v="120" actId="478"/>
+          <ac:picMkLst>
+            <pc:docMk/>
+            <pc:sldMk cId="2561747689" sldId="258"/>
+            <ac:picMk id="25" creationId="{D0F1BD6F-58B2-7134-F7C0-A7654251BE6A}"/>
+          </ac:picMkLst>
+        </pc:picChg>
+        <pc:picChg chg="add del mod">
+          <ac:chgData name="Jovanovski Viktor" userId="20e7a454bccbadbb" providerId="LiveId" clId="{34E8C8A4-3ACB-4D8B-8D7E-A4A442CE5776}" dt="2024-01-05T11:04:56.867" v="149" actId="478"/>
+          <ac:picMkLst>
+            <pc:docMk/>
+            <pc:sldMk cId="2561747689" sldId="258"/>
+            <ac:picMk id="26" creationId="{D2A7D4F4-B3B1-69B6-995E-95E288190D5C}"/>
+          </ac:picMkLst>
+        </pc:picChg>
+        <pc:picChg chg="add del mod">
+          <ac:chgData name="Jovanovski Viktor" userId="20e7a454bccbadbb" providerId="LiveId" clId="{34E8C8A4-3ACB-4D8B-8D7E-A4A442CE5776}" dt="2024-01-05T11:04:53.410" v="148" actId="478"/>
+          <ac:picMkLst>
+            <pc:docMk/>
+            <pc:sldMk cId="2561747689" sldId="258"/>
+            <ac:picMk id="27" creationId="{63065B5E-E2A5-9600-4D6A-7F57F058C538}"/>
+          </ac:picMkLst>
+        </pc:picChg>
+        <pc:picChg chg="add del mod">
+          <ac:chgData name="Jovanovski Viktor" userId="20e7a454bccbadbb" providerId="LiveId" clId="{34E8C8A4-3ACB-4D8B-8D7E-A4A442CE5776}" dt="2024-01-05T11:04:53.410" v="148" actId="478"/>
+          <ac:picMkLst>
+            <pc:docMk/>
+            <pc:sldMk cId="2561747689" sldId="258"/>
+            <ac:picMk id="28" creationId="{61650CC8-A286-AFB2-B237-3A97631A1DAD}"/>
+          </ac:picMkLst>
+        </pc:picChg>
+        <pc:picChg chg="add del mod">
+          <ac:chgData name="Jovanovski Viktor" userId="20e7a454bccbadbb" providerId="LiveId" clId="{34E8C8A4-3ACB-4D8B-8D7E-A4A442CE5776}" dt="2024-01-05T11:04:53.410" v="148" actId="478"/>
+          <ac:picMkLst>
+            <pc:docMk/>
+            <pc:sldMk cId="2561747689" sldId="258"/>
+            <ac:picMk id="29" creationId="{55511FD6-BD59-88B9-9BF7-64273FC2691B}"/>
+          </ac:picMkLst>
+        </pc:picChg>
+        <pc:picChg chg="add del mod">
+          <ac:chgData name="Jovanovski Viktor" userId="20e7a454bccbadbb" providerId="LiveId" clId="{34E8C8A4-3ACB-4D8B-8D7E-A4A442CE5776}" dt="2024-01-05T11:04:53.410" v="148" actId="478"/>
+          <ac:picMkLst>
+            <pc:docMk/>
+            <pc:sldMk cId="2561747689" sldId="258"/>
+            <ac:picMk id="30" creationId="{3A2DE061-9843-CABF-8DB1-9D4F38EE9E3B}"/>
+          </ac:picMkLst>
+        </pc:picChg>
+        <pc:picChg chg="add del mod">
+          <ac:chgData name="Jovanovski Viktor" userId="20e7a454bccbadbb" providerId="LiveId" clId="{34E8C8A4-3ACB-4D8B-8D7E-A4A442CE5776}" dt="2024-01-05T11:04:53.410" v="148" actId="478"/>
+          <ac:picMkLst>
+            <pc:docMk/>
+            <pc:sldMk cId="2561747689" sldId="258"/>
+            <ac:picMk id="31" creationId="{543D1F26-1173-2B41-323A-F171054A7B47}"/>
+          </ac:picMkLst>
+        </pc:picChg>
+        <pc:picChg chg="add mod">
+          <ac:chgData name="Jovanovski Viktor" userId="20e7a454bccbadbb" providerId="LiveId" clId="{34E8C8A4-3ACB-4D8B-8D7E-A4A442CE5776}" dt="2024-01-05T11:23:04.627" v="530" actId="1076"/>
+          <ac:picMkLst>
+            <pc:docMk/>
+            <pc:sldMk cId="2561747689" sldId="258"/>
+            <ac:picMk id="33" creationId="{1C822373-C506-3A9A-FFE8-FED598F4CBC4}"/>
+          </ac:picMkLst>
+        </pc:picChg>
+        <pc:picChg chg="add del mod">
+          <ac:chgData name="Jovanovski Viktor" userId="20e7a454bccbadbb" providerId="LiveId" clId="{34E8C8A4-3ACB-4D8B-8D7E-A4A442CE5776}" dt="2024-01-05T11:30:26.808" v="691" actId="21"/>
+          <ac:picMkLst>
+            <pc:docMk/>
+            <pc:sldMk cId="2561747689" sldId="258"/>
+            <ac:picMk id="35" creationId="{3283DB59-C83B-7688-3CC0-B8A798E05FC7}"/>
+          </ac:picMkLst>
+        </pc:picChg>
+        <pc:picChg chg="add del mod">
+          <ac:chgData name="Jovanovski Viktor" userId="20e7a454bccbadbb" providerId="LiveId" clId="{34E8C8A4-3ACB-4D8B-8D7E-A4A442CE5776}" dt="2024-01-05T11:26:01.053" v="614" actId="21"/>
+          <ac:picMkLst>
+            <pc:docMk/>
+            <pc:sldMk cId="2561747689" sldId="258"/>
+            <ac:picMk id="37" creationId="{02A1F26F-EA9D-50DB-5F5A-EAF2BF56E131}"/>
+          </ac:picMkLst>
+        </pc:picChg>
+        <pc:picChg chg="add del mod">
+          <ac:chgData name="Jovanovski Viktor" userId="20e7a454bccbadbb" providerId="LiveId" clId="{34E8C8A4-3ACB-4D8B-8D7E-A4A442CE5776}" dt="2024-01-05T11:26:01.053" v="614" actId="21"/>
+          <ac:picMkLst>
+            <pc:docMk/>
+            <pc:sldMk cId="2561747689" sldId="258"/>
+            <ac:picMk id="39" creationId="{43066CCE-144F-2FA7-EC82-17D36CBD2B05}"/>
+          </ac:picMkLst>
+        </pc:picChg>
+        <pc:picChg chg="add mod">
+          <ac:chgData name="Jovanovski Viktor" userId="20e7a454bccbadbb" providerId="LiveId" clId="{34E8C8A4-3ACB-4D8B-8D7E-A4A442CE5776}" dt="2024-01-05T11:29:35.958" v="680" actId="1076"/>
+          <ac:picMkLst>
+            <pc:docMk/>
+            <pc:sldMk cId="2561747689" sldId="258"/>
+            <ac:picMk id="48" creationId="{8A4F62F9-788D-360E-4944-38215F189DAE}"/>
+          </ac:picMkLst>
+        </pc:picChg>
+        <pc:picChg chg="add mod">
+          <ac:chgData name="Jovanovski Viktor" userId="20e7a454bccbadbb" providerId="LiveId" clId="{34E8C8A4-3ACB-4D8B-8D7E-A4A442CE5776}" dt="2024-01-05T11:30:36.237" v="694" actId="1076"/>
+          <ac:picMkLst>
+            <pc:docMk/>
+            <pc:sldMk cId="2561747689" sldId="258"/>
+            <ac:picMk id="52" creationId="{883E9729-0E6B-E4C5-A9DB-D8E9381A4683}"/>
+          </ac:picMkLst>
+        </pc:picChg>
+      </pc:sldChg>
+      <pc:sldChg chg="addSp delSp modSp new del mod">
+        <pc:chgData name="Jovanovski Viktor" userId="20e7a454bccbadbb" providerId="LiveId" clId="{34E8C8A4-3ACB-4D8B-8D7E-A4A442CE5776}" dt="2024-01-05T11:19:42.634" v="517" actId="47"/>
+        <pc:sldMkLst>
+          <pc:docMk/>
+          <pc:sldMk cId="3640010318" sldId="259"/>
+        </pc:sldMkLst>
+        <pc:spChg chg="mod">
+          <ac:chgData name="Jovanovski Viktor" userId="20e7a454bccbadbb" providerId="LiveId" clId="{34E8C8A4-3ACB-4D8B-8D7E-A4A442CE5776}" dt="2024-01-05T11:12:39.533" v="359" actId="1076"/>
+          <ac:spMkLst>
+            <pc:docMk/>
+            <pc:sldMk cId="3640010318" sldId="259"/>
+            <ac:spMk id="2" creationId="{3B7D62FB-EFE2-346A-75A0-550C28C8C7F3}"/>
+          </ac:spMkLst>
+        </pc:spChg>
+        <pc:spChg chg="mod">
+          <ac:chgData name="Jovanovski Viktor" userId="20e7a454bccbadbb" providerId="LiveId" clId="{34E8C8A4-3ACB-4D8B-8D7E-A4A442CE5776}" dt="2024-01-05T11:14:21.500" v="485" actId="1076"/>
+          <ac:spMkLst>
+            <pc:docMk/>
+            <pc:sldMk cId="3640010318" sldId="259"/>
+            <ac:spMk id="3" creationId="{198EBBDC-B0B5-38B3-8EAA-84EE316BE40C}"/>
+          </ac:spMkLst>
+        </pc:spChg>
+        <pc:picChg chg="add del mod">
+          <ac:chgData name="Jovanovski Viktor" userId="20e7a454bccbadbb" providerId="LiveId" clId="{34E8C8A4-3ACB-4D8B-8D7E-A4A442CE5776}" dt="2024-01-05T11:18:58.660" v="516" actId="478"/>
+          <ac:picMkLst>
+            <pc:docMk/>
+            <pc:sldMk cId="3640010318" sldId="259"/>
+            <ac:picMk id="5" creationId="{BCCA7C91-7107-8BD9-655C-D1B9079859C2}"/>
+          </ac:picMkLst>
+        </pc:picChg>
+      </pc:sldChg>
+      <pc:sldChg chg="addSp delSp modSp new mod">
+        <pc:chgData name="Jovanovski Viktor" userId="20e7a454bccbadbb" providerId="LiveId" clId="{34E8C8A4-3ACB-4D8B-8D7E-A4A442CE5776}" dt="2024-01-05T11:37:50.397" v="961" actId="1076"/>
+        <pc:sldMkLst>
+          <pc:docMk/>
+          <pc:sldMk cId="4165527075" sldId="259"/>
+        </pc:sldMkLst>
+        <pc:spChg chg="del">
+          <ac:chgData name="Jovanovski Viktor" userId="20e7a454bccbadbb" providerId="LiveId" clId="{34E8C8A4-3ACB-4D8B-8D7E-A4A442CE5776}" dt="2024-01-05T11:26:10.359" v="618" actId="478"/>
+          <ac:spMkLst>
+            <pc:docMk/>
+            <pc:sldMk cId="4165527075" sldId="259"/>
+            <ac:spMk id="2" creationId="{413B8296-0B3A-F78F-AD8F-EC4CB14050EA}"/>
+          </ac:spMkLst>
+        </pc:spChg>
+        <pc:spChg chg="del">
+          <ac:chgData name="Jovanovski Viktor" userId="20e7a454bccbadbb" providerId="LiveId" clId="{34E8C8A4-3ACB-4D8B-8D7E-A4A442CE5776}" dt="2024-01-05T11:26:05.559" v="616" actId="478"/>
+          <ac:spMkLst>
+            <pc:docMk/>
+            <pc:sldMk cId="4165527075" sldId="259"/>
+            <ac:spMk id="3" creationId="{58311A09-F8FD-DCB5-B765-6CE6F45190EC}"/>
+          </ac:spMkLst>
+        </pc:spChg>
+        <pc:spChg chg="add mod">
+          <ac:chgData name="Jovanovski Viktor" userId="20e7a454bccbadbb" providerId="LiveId" clId="{34E8C8A4-3ACB-4D8B-8D7E-A4A442CE5776}" dt="2024-01-05T11:26:39.008" v="633" actId="1076"/>
+          <ac:spMkLst>
+            <pc:docMk/>
+            <pc:sldMk cId="4165527075" sldId="259"/>
+            <ac:spMk id="6" creationId="{F328BDA7-6DAC-BB2C-88EA-3883C57EC408}"/>
+          </ac:spMkLst>
+        </pc:spChg>
+        <pc:spChg chg="add del mod">
+          <ac:chgData name="Jovanovski Viktor" userId="20e7a454bccbadbb" providerId="LiveId" clId="{34E8C8A4-3ACB-4D8B-8D7E-A4A442CE5776}" dt="2024-01-05T11:36:26.125" v="919" actId="478"/>
+          <ac:spMkLst>
+            <pc:docMk/>
+            <pc:sldMk cId="4165527075" sldId="259"/>
+            <ac:spMk id="8" creationId="{F6FA3AAA-52E3-2387-C79E-560654658BA6}"/>
+          </ac:spMkLst>
+        </pc:spChg>
+        <pc:spChg chg="add mod">
+          <ac:chgData name="Jovanovski Viktor" userId="20e7a454bccbadbb" providerId="LiveId" clId="{34E8C8A4-3ACB-4D8B-8D7E-A4A442CE5776}" dt="2024-01-05T11:37:18.311" v="940" actId="20577"/>
+          <ac:spMkLst>
+            <pc:docMk/>
+            <pc:sldMk cId="4165527075" sldId="259"/>
+            <ac:spMk id="9" creationId="{94C07E4B-9D0F-F291-CAA0-E89846DBF051}"/>
+          </ac:spMkLst>
+        </pc:spChg>
+        <pc:spChg chg="add mod">
+          <ac:chgData name="Jovanovski Viktor" userId="20e7a454bccbadbb" providerId="LiveId" clId="{34E8C8A4-3ACB-4D8B-8D7E-A4A442CE5776}" dt="2024-01-05T11:37:50.397" v="961" actId="1076"/>
+          <ac:spMkLst>
+            <pc:docMk/>
+            <pc:sldMk cId="4165527075" sldId="259"/>
+            <ac:spMk id="10" creationId="{C0AB5C3F-DD1B-843F-CD6A-956639838D4B}"/>
+          </ac:spMkLst>
+        </pc:spChg>
+        <pc:spChg chg="add mod">
+          <ac:chgData name="Jovanovski Viktor" userId="20e7a454bccbadbb" providerId="LiveId" clId="{34E8C8A4-3ACB-4D8B-8D7E-A4A442CE5776}" dt="2024-01-05T11:37:32.629" v="959" actId="20577"/>
+          <ac:spMkLst>
+            <pc:docMk/>
+            <pc:sldMk cId="4165527075" sldId="259"/>
+            <ac:spMk id="11" creationId="{2AC36B0C-6C53-1A85-DAD5-9C71E8AFAD99}"/>
+          </ac:spMkLst>
+        </pc:spChg>
+        <pc:picChg chg="add mod">
+          <ac:chgData name="Jovanovski Viktor" userId="20e7a454bccbadbb" providerId="LiveId" clId="{34E8C8A4-3ACB-4D8B-8D7E-A4A442CE5776}" dt="2024-01-05T11:31:57.484" v="728" actId="1076"/>
+          <ac:picMkLst>
+            <pc:docMk/>
+            <pc:sldMk cId="4165527075" sldId="259"/>
+            <ac:picMk id="4" creationId="{26B0F992-CD0B-E5F2-AD23-F01EC4E3FE23}"/>
+          </ac:picMkLst>
+        </pc:picChg>
+        <pc:picChg chg="add mod">
+          <ac:chgData name="Jovanovski Viktor" userId="20e7a454bccbadbb" providerId="LiveId" clId="{34E8C8A4-3ACB-4D8B-8D7E-A4A442CE5776}" dt="2024-01-05T11:31:59.835" v="729" actId="1076"/>
+          <ac:picMkLst>
+            <pc:docMk/>
+            <pc:sldMk cId="4165527075" sldId="259"/>
+            <ac:picMk id="5" creationId="{8A3D5435-3821-E117-B723-D8B8C663DC63}"/>
+          </ac:picMkLst>
+        </pc:picChg>
+        <pc:picChg chg="add mod">
+          <ac:chgData name="Jovanovski Viktor" userId="20e7a454bccbadbb" providerId="LiveId" clId="{34E8C8A4-3ACB-4D8B-8D7E-A4A442CE5776}" dt="2024-01-05T11:31:56.323" v="727" actId="1076"/>
+          <ac:picMkLst>
+            <pc:docMk/>
+            <pc:sldMk cId="4165527075" sldId="259"/>
+            <ac:picMk id="7" creationId="{F065CC9D-E979-1496-3857-C28289476C1E}"/>
+          </ac:picMkLst>
+        </pc:picChg>
+      </pc:sldChg>
+      <pc:sldChg chg="modSp new mod">
+        <pc:chgData name="Jovanovski Viktor" userId="20e7a454bccbadbb" providerId="LiveId" clId="{34E8C8A4-3ACB-4D8B-8D7E-A4A442CE5776}" dt="2024-01-05T11:35:20.849" v="888" actId="20577"/>
+        <pc:sldMkLst>
+          <pc:docMk/>
+          <pc:sldMk cId="3121605565" sldId="260"/>
+        </pc:sldMkLst>
+        <pc:spChg chg="mod">
+          <ac:chgData name="Jovanovski Viktor" userId="20e7a454bccbadbb" providerId="LiveId" clId="{34E8C8A4-3ACB-4D8B-8D7E-A4A442CE5776}" dt="2024-01-05T11:34:27.844" v="744" actId="20577"/>
+          <ac:spMkLst>
+            <pc:docMk/>
+            <pc:sldMk cId="3121605565" sldId="260"/>
+            <ac:spMk id="2" creationId="{CE0014DE-F40B-C89E-D697-6485D142A500}"/>
+          </ac:spMkLst>
+        </pc:spChg>
+        <pc:spChg chg="mod">
+          <ac:chgData name="Jovanovski Viktor" userId="20e7a454bccbadbb" providerId="LiveId" clId="{34E8C8A4-3ACB-4D8B-8D7E-A4A442CE5776}" dt="2024-01-05T11:35:20.849" v="888" actId="20577"/>
+          <ac:spMkLst>
+            <pc:docMk/>
+            <pc:sldMk cId="3121605565" sldId="260"/>
+            <ac:spMk id="3" creationId="{B0510014-3F59-AE68-A8DB-AEAA333623E5}"/>
+          </ac:spMkLst>
+        </pc:spChg>
       </pc:sldChg>
     </pc:docChg>
   </pc:docChgLst>
@@ -331,7 +772,7 @@
           <a:p>
             <a:fld id="{E5978D37-F6EA-4B11-8418-11BAD674AF9B}" type="datetimeFigureOut">
               <a:rPr lang="hu-HU" smtClean="0"/>
-              <a:t>2024. 01. 04.</a:t>
+              <a:t>2024. 01. 05.</a:t>
             </a:fld>
             <a:endParaRPr lang="hu-HU"/>
           </a:p>
@@ -529,7 +970,7 @@
           <a:p>
             <a:fld id="{E5978D37-F6EA-4B11-8418-11BAD674AF9B}" type="datetimeFigureOut">
               <a:rPr lang="hu-HU" smtClean="0"/>
-              <a:t>2024. 01. 04.</a:t>
+              <a:t>2024. 01. 05.</a:t>
             </a:fld>
             <a:endParaRPr lang="hu-HU"/>
           </a:p>
@@ -737,7 +1178,7 @@
           <a:p>
             <a:fld id="{E5978D37-F6EA-4B11-8418-11BAD674AF9B}" type="datetimeFigureOut">
               <a:rPr lang="hu-HU" smtClean="0"/>
-              <a:t>2024. 01. 04.</a:t>
+              <a:t>2024. 01. 05.</a:t>
             </a:fld>
             <a:endParaRPr lang="hu-HU"/>
           </a:p>
@@ -935,7 +1376,7 @@
           <a:p>
             <a:fld id="{E5978D37-F6EA-4B11-8418-11BAD674AF9B}" type="datetimeFigureOut">
               <a:rPr lang="hu-HU" smtClean="0"/>
-              <a:t>2024. 01. 04.</a:t>
+              <a:t>2024. 01. 05.</a:t>
             </a:fld>
             <a:endParaRPr lang="hu-HU"/>
           </a:p>
@@ -1210,7 +1651,7 @@
           <a:p>
             <a:fld id="{E5978D37-F6EA-4B11-8418-11BAD674AF9B}" type="datetimeFigureOut">
               <a:rPr lang="hu-HU" smtClean="0"/>
-              <a:t>2024. 01. 04.</a:t>
+              <a:t>2024. 01. 05.</a:t>
             </a:fld>
             <a:endParaRPr lang="hu-HU"/>
           </a:p>
@@ -1475,7 +1916,7 @@
           <a:p>
             <a:fld id="{E5978D37-F6EA-4B11-8418-11BAD674AF9B}" type="datetimeFigureOut">
               <a:rPr lang="hu-HU" smtClean="0"/>
-              <a:t>2024. 01. 04.</a:t>
+              <a:t>2024. 01. 05.</a:t>
             </a:fld>
             <a:endParaRPr lang="hu-HU"/>
           </a:p>
@@ -1887,7 +2328,7 @@
           <a:p>
             <a:fld id="{E5978D37-F6EA-4B11-8418-11BAD674AF9B}" type="datetimeFigureOut">
               <a:rPr lang="hu-HU" smtClean="0"/>
-              <a:t>2024. 01. 04.</a:t>
+              <a:t>2024. 01. 05.</a:t>
             </a:fld>
             <a:endParaRPr lang="hu-HU"/>
           </a:p>
@@ -2028,7 +2469,7 @@
           <a:p>
             <a:fld id="{E5978D37-F6EA-4B11-8418-11BAD674AF9B}" type="datetimeFigureOut">
               <a:rPr lang="hu-HU" smtClean="0"/>
-              <a:t>2024. 01. 04.</a:t>
+              <a:t>2024. 01. 05.</a:t>
             </a:fld>
             <a:endParaRPr lang="hu-HU"/>
           </a:p>
@@ -2141,7 +2582,7 @@
           <a:p>
             <a:fld id="{E5978D37-F6EA-4B11-8418-11BAD674AF9B}" type="datetimeFigureOut">
               <a:rPr lang="hu-HU" smtClean="0"/>
-              <a:t>2024. 01. 04.</a:t>
+              <a:t>2024. 01. 05.</a:t>
             </a:fld>
             <a:endParaRPr lang="hu-HU"/>
           </a:p>
@@ -2452,7 +2893,7 @@
           <a:p>
             <a:fld id="{E5978D37-F6EA-4B11-8418-11BAD674AF9B}" type="datetimeFigureOut">
               <a:rPr lang="hu-HU" smtClean="0"/>
-              <a:t>2024. 01. 04.</a:t>
+              <a:t>2024. 01. 05.</a:t>
             </a:fld>
             <a:endParaRPr lang="hu-HU"/>
           </a:p>
@@ -2740,7 +3181,7 @@
           <a:p>
             <a:fld id="{E5978D37-F6EA-4B11-8418-11BAD674AF9B}" type="datetimeFigureOut">
               <a:rPr lang="hu-HU" smtClean="0"/>
-              <a:t>2024. 01. 04.</a:t>
+              <a:t>2024. 01. 05.</a:t>
             </a:fld>
             <a:endParaRPr lang="hu-HU"/>
           </a:p>
@@ -2981,7 +3422,7 @@
           <a:p>
             <a:fld id="{E5978D37-F6EA-4B11-8418-11BAD674AF9B}" type="datetimeFigureOut">
               <a:rPr lang="hu-HU" smtClean="0"/>
-              <a:t>2024. 01. 04.</a:t>
+              <a:t>2024. 01. 05.</a:t>
             </a:fld>
             <a:endParaRPr lang="hu-HU"/>
           </a:p>
@@ -3421,33 +3862,8 @@
           <a:p>
             <a:r>
               <a:rPr lang="hu-HU" dirty="0"/>
-              <a:t>GAME_NAME</a:t>
-            </a:r>
-          </a:p>
-        </p:txBody>
-      </p:sp>
-      <p:sp>
-        <p:nvSpPr>
-          <p:cNvPr id="3" name="Alcím 2">
-            <a:extLst>
-              <a:ext uri="{FF2B5EF4-FFF2-40B4-BE49-F238E27FC236}">
-                <a16:creationId xmlns:a16="http://schemas.microsoft.com/office/drawing/2014/main" id="{619844E4-54A2-1BA7-8230-5D063BA8C53A}"/>
-              </a:ext>
-            </a:extLst>
-          </p:cNvPr>
-          <p:cNvSpPr>
-            <a:spLocks noGrp="1"/>
-          </p:cNvSpPr>
-          <p:nvPr>
-            <p:ph type="subTitle" idx="1"/>
-          </p:nvPr>
-        </p:nvSpPr>
-        <p:spPr/>
-        <p:txBody>
-          <a:bodyPr/>
-          <a:lstStyle/>
-          <a:p>
-            <a:endParaRPr lang="hu-HU"/>
+              <a:t>Project Exodus</a:t>
+            </a:r>
           </a:p>
         </p:txBody>
       </p:sp>
@@ -3562,44 +3978,754 @@
             <p:ph type="title"/>
           </p:nvPr>
         </p:nvSpPr>
-        <p:spPr/>
-        <p:txBody>
-          <a:bodyPr/>
-          <a:lstStyle/>
-          <a:p>
-            <a:endParaRPr lang="hu-HU"/>
-          </a:p>
-        </p:txBody>
-      </p:sp>
-      <p:sp>
-        <p:nvSpPr>
-          <p:cNvPr id="3" name="Tartalom helye 2">
-            <a:extLst>
-              <a:ext uri="{FF2B5EF4-FFF2-40B4-BE49-F238E27FC236}">
-                <a16:creationId xmlns:a16="http://schemas.microsoft.com/office/drawing/2014/main" id="{3EF4F979-2276-F97D-CB7F-89C3D45975F8}"/>
-              </a:ext>
-            </a:extLst>
-          </p:cNvPr>
-          <p:cNvSpPr>
-            <a:spLocks noGrp="1"/>
-          </p:cNvSpPr>
-          <p:nvPr>
-            <p:ph idx="1"/>
-          </p:nvPr>
-        </p:nvSpPr>
-        <p:spPr/>
-        <p:txBody>
-          <a:bodyPr/>
-          <a:lstStyle/>
-          <a:p>
-            <a:endParaRPr lang="hu-HU"/>
-          </a:p>
-        </p:txBody>
-      </p:sp>
+        <p:spPr>
+          <a:xfrm>
+            <a:off x="4684690" y="273767"/>
+            <a:ext cx="2336318" cy="1325563"/>
+          </a:xfrm>
+        </p:spPr>
+        <p:txBody>
+          <a:bodyPr/>
+          <a:lstStyle/>
+          <a:p>
+            <a:r>
+              <a:rPr lang="hu-HU" dirty="0"/>
+              <a:t>Szereplők</a:t>
+            </a:r>
+          </a:p>
+        </p:txBody>
+      </p:sp>
+      <p:pic>
+        <p:nvPicPr>
+          <p:cNvPr id="33" name="Kép 32" descr="A képen Emberi arc, személy, szemöldök, hajviselet látható&#10;&#10;Automatikusan generált leírás">
+            <a:extLst>
+              <a:ext uri="{FF2B5EF4-FFF2-40B4-BE49-F238E27FC236}">
+                <a16:creationId xmlns:a16="http://schemas.microsoft.com/office/drawing/2014/main" id="{1C822373-C506-3A9A-FFE8-FED598F4CBC4}"/>
+              </a:ext>
+            </a:extLst>
+          </p:cNvPr>
+          <p:cNvPicPr>
+            <a:picLocks noChangeAspect="1"/>
+          </p:cNvPicPr>
+          <p:nvPr/>
+        </p:nvPicPr>
+        <p:blipFill>
+          <a:blip r:embed="rId2">
+            <a:extLst>
+              <a:ext uri="{28A0092B-C50C-407E-A947-70E740481C1C}">
+                <a14:useLocalDpi xmlns:a14="http://schemas.microsoft.com/office/drawing/2010/main" val="0"/>
+              </a:ext>
+            </a:extLst>
+          </a:blip>
+          <a:stretch>
+            <a:fillRect/>
+          </a:stretch>
+        </p:blipFill>
+        <p:spPr>
+          <a:xfrm>
+            <a:off x="698417" y="1783022"/>
+            <a:ext cx="2302814" cy="2302814"/>
+          </a:xfrm>
+          <a:prstGeom prst="rect">
+            <a:avLst/>
+          </a:prstGeom>
+        </p:spPr>
+      </p:pic>
+      <p:sp>
+        <p:nvSpPr>
+          <p:cNvPr id="40" name="Szövegdoboz 39">
+            <a:extLst>
+              <a:ext uri="{FF2B5EF4-FFF2-40B4-BE49-F238E27FC236}">
+                <a16:creationId xmlns:a16="http://schemas.microsoft.com/office/drawing/2014/main" id="{CE3DCBF7-B56A-0E45-148A-77036C92EAB0}"/>
+              </a:ext>
+            </a:extLst>
+          </p:cNvPr>
+          <p:cNvSpPr txBox="1"/>
+          <p:nvPr/>
+        </p:nvSpPr>
+        <p:spPr>
+          <a:xfrm>
+            <a:off x="1318022" y="1321357"/>
+            <a:ext cx="1203649" cy="369332"/>
+          </a:xfrm>
+          <a:prstGeom prst="rect">
+            <a:avLst/>
+          </a:prstGeom>
+          <a:noFill/>
+        </p:spPr>
+        <p:txBody>
+          <a:bodyPr wrap="square" rtlCol="0">
+            <a:spAutoFit/>
+          </a:bodyPr>
+          <a:lstStyle/>
+          <a:p>
+            <a:r>
+              <a:rPr lang="hu-HU" dirty="0"/>
+              <a:t>Főszereplő</a:t>
+            </a:r>
+          </a:p>
+        </p:txBody>
+      </p:sp>
+      <p:sp>
+        <p:nvSpPr>
+          <p:cNvPr id="41" name="Szövegdoboz 40">
+            <a:extLst>
+              <a:ext uri="{FF2B5EF4-FFF2-40B4-BE49-F238E27FC236}">
+                <a16:creationId xmlns:a16="http://schemas.microsoft.com/office/drawing/2014/main" id="{359FC344-6203-ECE6-4F35-DA3D0994C911}"/>
+              </a:ext>
+            </a:extLst>
+          </p:cNvPr>
+          <p:cNvSpPr txBox="1"/>
+          <p:nvPr/>
+        </p:nvSpPr>
+        <p:spPr>
+          <a:xfrm>
+            <a:off x="9184027" y="1321357"/>
+            <a:ext cx="1474237" cy="369332"/>
+          </a:xfrm>
+          <a:prstGeom prst="rect">
+            <a:avLst/>
+          </a:prstGeom>
+          <a:noFill/>
+        </p:spPr>
+        <p:txBody>
+          <a:bodyPr wrap="square" rtlCol="0">
+            <a:spAutoFit/>
+          </a:bodyPr>
+          <a:lstStyle/>
+          <a:p>
+            <a:r>
+              <a:rPr lang="hu-HU" dirty="0"/>
+              <a:t>Legjobb barát </a:t>
+            </a:r>
+          </a:p>
+        </p:txBody>
+      </p:sp>
+      <p:sp>
+        <p:nvSpPr>
+          <p:cNvPr id="44" name="Szövegdoboz 43">
+            <a:extLst>
+              <a:ext uri="{FF2B5EF4-FFF2-40B4-BE49-F238E27FC236}">
+                <a16:creationId xmlns:a16="http://schemas.microsoft.com/office/drawing/2014/main" id="{E167084E-C223-63D8-7805-1168F4D995D0}"/>
+              </a:ext>
+            </a:extLst>
+          </p:cNvPr>
+          <p:cNvSpPr txBox="1"/>
+          <p:nvPr/>
+        </p:nvSpPr>
+        <p:spPr>
+          <a:xfrm>
+            <a:off x="9518402" y="4112629"/>
+            <a:ext cx="1139862" cy="369332"/>
+          </a:xfrm>
+          <a:prstGeom prst="rect">
+            <a:avLst/>
+          </a:prstGeom>
+          <a:noFill/>
+        </p:spPr>
+        <p:txBody>
+          <a:bodyPr wrap="square" rtlCol="0">
+            <a:spAutoFit/>
+          </a:bodyPr>
+          <a:lstStyle/>
+          <a:p>
+            <a:r>
+              <a:rPr lang="hu-HU" dirty="0" err="1"/>
+              <a:t>Brunhilde</a:t>
+            </a:r>
+            <a:endParaRPr lang="hu-HU" dirty="0"/>
+          </a:p>
+        </p:txBody>
+      </p:sp>
+      <p:sp>
+        <p:nvSpPr>
+          <p:cNvPr id="46" name="Szövegdoboz 45">
+            <a:extLst>
+              <a:ext uri="{FF2B5EF4-FFF2-40B4-BE49-F238E27FC236}">
+                <a16:creationId xmlns:a16="http://schemas.microsoft.com/office/drawing/2014/main" id="{3935C6E3-CBBC-0ED0-906E-940C9D37C572}"/>
+              </a:ext>
+            </a:extLst>
+          </p:cNvPr>
+          <p:cNvSpPr txBox="1"/>
+          <p:nvPr/>
+        </p:nvSpPr>
+        <p:spPr>
+          <a:xfrm>
+            <a:off x="1318022" y="4112629"/>
+            <a:ext cx="987552" cy="369332"/>
+          </a:xfrm>
+          <a:prstGeom prst="rect">
+            <a:avLst/>
+          </a:prstGeom>
+          <a:noFill/>
+        </p:spPr>
+        <p:txBody>
+          <a:bodyPr wrap="square" rtlCol="0">
+            <a:spAutoFit/>
+          </a:bodyPr>
+          <a:lstStyle/>
+          <a:p>
+            <a:r>
+              <a:rPr lang="hu-HU" dirty="0" err="1"/>
+              <a:t>Einhardt</a:t>
+            </a:r>
+            <a:endParaRPr lang="hu-HU" dirty="0"/>
+          </a:p>
+        </p:txBody>
+      </p:sp>
+      <p:pic>
+        <p:nvPicPr>
+          <p:cNvPr id="48" name="Kép 47" descr="A képen Emberi arc, személy, portré, szemöldök látható&#10;&#10;Automatikusan generált leírás">
+            <a:extLst>
+              <a:ext uri="{FF2B5EF4-FFF2-40B4-BE49-F238E27FC236}">
+                <a16:creationId xmlns:a16="http://schemas.microsoft.com/office/drawing/2014/main" id="{8A4F62F9-788D-360E-4944-38215F189DAE}"/>
+              </a:ext>
+            </a:extLst>
+          </p:cNvPr>
+          <p:cNvPicPr>
+            <a:picLocks noChangeAspect="1"/>
+          </p:cNvPicPr>
+          <p:nvPr/>
+        </p:nvPicPr>
+        <p:blipFill>
+          <a:blip r:embed="rId3">
+            <a:extLst>
+              <a:ext uri="{28A0092B-C50C-407E-A947-70E740481C1C}">
+                <a14:useLocalDpi xmlns:a14="http://schemas.microsoft.com/office/drawing/2010/main" val="0"/>
+              </a:ext>
+            </a:extLst>
+          </a:blip>
+          <a:stretch>
+            <a:fillRect/>
+          </a:stretch>
+        </p:blipFill>
+        <p:spPr>
+          <a:xfrm>
+            <a:off x="4682508" y="1783022"/>
+            <a:ext cx="2302814" cy="2302814"/>
+          </a:xfrm>
+          <a:prstGeom prst="rect">
+            <a:avLst/>
+          </a:prstGeom>
+        </p:spPr>
+      </p:pic>
+      <p:sp>
+        <p:nvSpPr>
+          <p:cNvPr id="49" name="Szövegdoboz 48">
+            <a:extLst>
+              <a:ext uri="{FF2B5EF4-FFF2-40B4-BE49-F238E27FC236}">
+                <a16:creationId xmlns:a16="http://schemas.microsoft.com/office/drawing/2014/main" id="{3EB23AC5-88E7-36EA-BA7B-DE4973D12155}"/>
+              </a:ext>
+            </a:extLst>
+          </p:cNvPr>
+          <p:cNvSpPr txBox="1"/>
+          <p:nvPr/>
+        </p:nvSpPr>
+        <p:spPr>
+          <a:xfrm>
+            <a:off x="5189857" y="1321357"/>
+            <a:ext cx="1325984" cy="369332"/>
+          </a:xfrm>
+          <a:prstGeom prst="rect">
+            <a:avLst/>
+          </a:prstGeom>
+          <a:noFill/>
+        </p:spPr>
+        <p:txBody>
+          <a:bodyPr wrap="square" rtlCol="0">
+            <a:spAutoFit/>
+          </a:bodyPr>
+          <a:lstStyle/>
+          <a:p>
+            <a:r>
+              <a:rPr lang="hu-HU" dirty="0"/>
+              <a:t>Édesanyja</a:t>
+            </a:r>
+          </a:p>
+        </p:txBody>
+      </p:sp>
+      <p:sp>
+        <p:nvSpPr>
+          <p:cNvPr id="50" name="Szövegdoboz 49">
+            <a:extLst>
+              <a:ext uri="{FF2B5EF4-FFF2-40B4-BE49-F238E27FC236}">
+                <a16:creationId xmlns:a16="http://schemas.microsoft.com/office/drawing/2014/main" id="{B10B01AE-C0A0-B0C6-D35C-71DF3F0B86E8}"/>
+              </a:ext>
+            </a:extLst>
+          </p:cNvPr>
+          <p:cNvSpPr txBox="1"/>
+          <p:nvPr/>
+        </p:nvSpPr>
+        <p:spPr>
+          <a:xfrm>
+            <a:off x="5263984" y="4112629"/>
+            <a:ext cx="1139862" cy="369332"/>
+          </a:xfrm>
+          <a:prstGeom prst="rect">
+            <a:avLst/>
+          </a:prstGeom>
+          <a:noFill/>
+        </p:spPr>
+        <p:txBody>
+          <a:bodyPr wrap="square" rtlCol="0">
+            <a:spAutoFit/>
+          </a:bodyPr>
+          <a:lstStyle/>
+          <a:p>
+            <a:r>
+              <a:rPr lang="hu-HU" dirty="0" err="1"/>
+              <a:t>Hildegard</a:t>
+            </a:r>
+            <a:endParaRPr lang="hu-HU" dirty="0"/>
+          </a:p>
+        </p:txBody>
+      </p:sp>
+      <p:pic>
+        <p:nvPicPr>
+          <p:cNvPr id="52" name="Kép 51" descr="A képen Emberi arc, ajak, szempilla, nő látható&#10;&#10;Automatikusan generált leírás">
+            <a:extLst>
+              <a:ext uri="{FF2B5EF4-FFF2-40B4-BE49-F238E27FC236}">
+                <a16:creationId xmlns:a16="http://schemas.microsoft.com/office/drawing/2014/main" id="{883E9729-0E6B-E4C5-A9DB-D8E9381A4683}"/>
+              </a:ext>
+            </a:extLst>
+          </p:cNvPr>
+          <p:cNvPicPr>
+            <a:picLocks noChangeAspect="1"/>
+          </p:cNvPicPr>
+          <p:nvPr/>
+        </p:nvPicPr>
+        <p:blipFill>
+          <a:blip r:embed="rId4">
+            <a:extLst>
+              <a:ext uri="{28A0092B-C50C-407E-A947-70E740481C1C}">
+                <a14:useLocalDpi xmlns:a14="http://schemas.microsoft.com/office/drawing/2010/main" val="0"/>
+              </a:ext>
+            </a:extLst>
+          </a:blip>
+          <a:stretch>
+            <a:fillRect/>
+          </a:stretch>
+        </p:blipFill>
+        <p:spPr>
+          <a:xfrm>
+            <a:off x="8761513" y="1809815"/>
+            <a:ext cx="2319262" cy="2302814"/>
+          </a:xfrm>
+          <a:prstGeom prst="rect">
+            <a:avLst/>
+          </a:prstGeom>
+        </p:spPr>
+      </p:pic>
     </p:spTree>
     <p:extLst>
       <p:ext uri="{BB962C8B-B14F-4D97-AF65-F5344CB8AC3E}">
         <p14:creationId xmlns:p14="http://schemas.microsoft.com/office/powerpoint/2010/main" val="2561747689"/>
+      </p:ext>
+    </p:extLst>
+  </p:cSld>
+  <p:clrMapOvr>
+    <a:masterClrMapping/>
+  </p:clrMapOvr>
+</p:sld>
+</file>
+
+<file path=ppt/slides/slide4.xml><?xml version="1.0" encoding="utf-8"?>
+<p:sld xmlns:a="http://schemas.openxmlformats.org/drawingml/2006/main" xmlns:r="http://schemas.openxmlformats.org/officeDocument/2006/relationships" xmlns:p="http://schemas.openxmlformats.org/presentationml/2006/main">
+  <p:cSld>
+    <p:spTree>
+      <p:nvGrpSpPr>
+        <p:cNvPr id="1" name=""/>
+        <p:cNvGrpSpPr/>
+        <p:nvPr/>
+      </p:nvGrpSpPr>
+      <p:grpSpPr>
+        <a:xfrm>
+          <a:off x="0" y="0"/>
+          <a:ext cx="0" cy="0"/>
+          <a:chOff x="0" y="0"/>
+          <a:chExt cx="0" cy="0"/>
+        </a:xfrm>
+      </p:grpSpPr>
+      <p:pic>
+        <p:nvPicPr>
+          <p:cNvPr id="4" name="Kép 3" descr="A képen Emberi arc, személy, szemöldök, szempilla látható&#10;&#10;Automatikusan generált leírás">
+            <a:extLst>
+              <a:ext uri="{FF2B5EF4-FFF2-40B4-BE49-F238E27FC236}">
+                <a16:creationId xmlns:a16="http://schemas.microsoft.com/office/drawing/2014/main" id="{26B0F992-CD0B-E5F2-AD23-F01EC4E3FE23}"/>
+              </a:ext>
+            </a:extLst>
+          </p:cNvPr>
+          <p:cNvPicPr>
+            <a:picLocks noChangeAspect="1"/>
+          </p:cNvPicPr>
+          <p:nvPr/>
+        </p:nvPicPr>
+        <p:blipFill>
+          <a:blip r:embed="rId2">
+            <a:extLst>
+              <a:ext uri="{28A0092B-C50C-407E-A947-70E740481C1C}">
+                <a14:useLocalDpi xmlns:a14="http://schemas.microsoft.com/office/drawing/2010/main" val="0"/>
+              </a:ext>
+            </a:extLst>
+          </a:blip>
+          <a:stretch>
+            <a:fillRect/>
+          </a:stretch>
+        </p:blipFill>
+        <p:spPr>
+          <a:xfrm>
+            <a:off x="468859" y="2277000"/>
+            <a:ext cx="2304000" cy="2304000"/>
+          </a:xfrm>
+          <a:prstGeom prst="rect">
+            <a:avLst/>
+          </a:prstGeom>
+        </p:spPr>
+      </p:pic>
+      <p:pic>
+        <p:nvPicPr>
+          <p:cNvPr id="5" name="Kép 4" descr="A képen Emberi arc, személy, szemöldök, szempilla látható&#10;&#10;Automatikusan generált leírás">
+            <a:extLst>
+              <a:ext uri="{FF2B5EF4-FFF2-40B4-BE49-F238E27FC236}">
+                <a16:creationId xmlns:a16="http://schemas.microsoft.com/office/drawing/2014/main" id="{8A3D5435-3821-E117-B723-D8B8C663DC63}"/>
+              </a:ext>
+            </a:extLst>
+          </p:cNvPr>
+          <p:cNvPicPr>
+            <a:picLocks noChangeAspect="1"/>
+          </p:cNvPicPr>
+          <p:nvPr/>
+        </p:nvPicPr>
+        <p:blipFill>
+          <a:blip r:embed="rId3">
+            <a:extLst>
+              <a:ext uri="{28A0092B-C50C-407E-A947-70E740481C1C}">
+                <a14:useLocalDpi xmlns:a14="http://schemas.microsoft.com/office/drawing/2010/main" val="0"/>
+              </a:ext>
+            </a:extLst>
+          </a:blip>
+          <a:stretch>
+            <a:fillRect/>
+          </a:stretch>
+        </p:blipFill>
+        <p:spPr>
+          <a:xfrm>
+            <a:off x="9394323" y="2277000"/>
+            <a:ext cx="2328818" cy="2304000"/>
+          </a:xfrm>
+          <a:prstGeom prst="rect">
+            <a:avLst/>
+          </a:prstGeom>
+        </p:spPr>
+      </p:pic>
+      <p:sp>
+        <p:nvSpPr>
+          <p:cNvPr id="6" name="Szövegdoboz 5">
+            <a:extLst>
+              <a:ext uri="{FF2B5EF4-FFF2-40B4-BE49-F238E27FC236}">
+                <a16:creationId xmlns:a16="http://schemas.microsoft.com/office/drawing/2014/main" id="{F328BDA7-6DAC-BB2C-88EA-3883C57EC408}"/>
+              </a:ext>
+            </a:extLst>
+          </p:cNvPr>
+          <p:cNvSpPr txBox="1"/>
+          <p:nvPr/>
+        </p:nvSpPr>
+        <p:spPr>
+          <a:xfrm>
+            <a:off x="4496236" y="576554"/>
+            <a:ext cx="3199528" cy="769441"/>
+          </a:xfrm>
+          <a:prstGeom prst="rect">
+            <a:avLst/>
+          </a:prstGeom>
+          <a:noFill/>
+        </p:spPr>
+        <p:txBody>
+          <a:bodyPr wrap="square" rtlCol="0">
+            <a:spAutoFit/>
+          </a:bodyPr>
+          <a:lstStyle/>
+          <a:p>
+            <a:r>
+              <a:rPr lang="hu-HU" sz="4400" dirty="0"/>
+              <a:t>Bérgyilkosok</a:t>
+            </a:r>
+          </a:p>
+        </p:txBody>
+      </p:sp>
+      <p:pic>
+        <p:nvPicPr>
+          <p:cNvPr id="7" name="Kép 6" descr="A képen Emberi arc, személy, szemöldök, portré látható&#10;&#10;Automatikusan generált leírás">
+            <a:extLst>
+              <a:ext uri="{FF2B5EF4-FFF2-40B4-BE49-F238E27FC236}">
+                <a16:creationId xmlns:a16="http://schemas.microsoft.com/office/drawing/2014/main" id="{F065CC9D-E979-1496-3857-C28289476C1E}"/>
+              </a:ext>
+            </a:extLst>
+          </p:cNvPr>
+          <p:cNvPicPr>
+            <a:picLocks noChangeAspect="1"/>
+          </p:cNvPicPr>
+          <p:nvPr/>
+        </p:nvPicPr>
+        <p:blipFill>
+          <a:blip r:embed="rId4">
+            <a:extLst>
+              <a:ext uri="{28A0092B-C50C-407E-A947-70E740481C1C}">
+                <a14:useLocalDpi xmlns:a14="http://schemas.microsoft.com/office/drawing/2010/main" val="0"/>
+              </a:ext>
+            </a:extLst>
+          </a:blip>
+          <a:stretch>
+            <a:fillRect/>
+          </a:stretch>
+        </p:blipFill>
+        <p:spPr>
+          <a:xfrm>
+            <a:off x="4944592" y="2278185"/>
+            <a:ext cx="2302815" cy="2302815"/>
+          </a:xfrm>
+          <a:prstGeom prst="rect">
+            <a:avLst/>
+          </a:prstGeom>
+        </p:spPr>
+      </p:pic>
+      <p:sp>
+        <p:nvSpPr>
+          <p:cNvPr id="9" name="Szövegdoboz 8">
+            <a:extLst>
+              <a:ext uri="{FF2B5EF4-FFF2-40B4-BE49-F238E27FC236}">
+                <a16:creationId xmlns:a16="http://schemas.microsoft.com/office/drawing/2014/main" id="{94C07E4B-9D0F-F291-CAA0-E89846DBF051}"/>
+              </a:ext>
+            </a:extLst>
+          </p:cNvPr>
+          <p:cNvSpPr txBox="1"/>
+          <p:nvPr/>
+        </p:nvSpPr>
+        <p:spPr>
+          <a:xfrm>
+            <a:off x="5737744" y="4821793"/>
+            <a:ext cx="716509" cy="369332"/>
+          </a:xfrm>
+          <a:prstGeom prst="rect">
+            <a:avLst/>
+          </a:prstGeom>
+          <a:noFill/>
+        </p:spPr>
+        <p:txBody>
+          <a:bodyPr wrap="square" rtlCol="0">
+            <a:spAutoFit/>
+          </a:bodyPr>
+          <a:lstStyle/>
+          <a:p>
+            <a:r>
+              <a:rPr lang="hu-HU" dirty="0"/>
+              <a:t>N.O 6</a:t>
+            </a:r>
+          </a:p>
+        </p:txBody>
+      </p:sp>
+      <p:sp>
+        <p:nvSpPr>
+          <p:cNvPr id="10" name="Szövegdoboz 9">
+            <a:extLst>
+              <a:ext uri="{FF2B5EF4-FFF2-40B4-BE49-F238E27FC236}">
+                <a16:creationId xmlns:a16="http://schemas.microsoft.com/office/drawing/2014/main" id="{C0AB5C3F-DD1B-843F-CD6A-956639838D4B}"/>
+              </a:ext>
+            </a:extLst>
+          </p:cNvPr>
+          <p:cNvSpPr txBox="1"/>
+          <p:nvPr/>
+        </p:nvSpPr>
+        <p:spPr>
+          <a:xfrm>
+            <a:off x="1159963" y="4821793"/>
+            <a:ext cx="921791" cy="369332"/>
+          </a:xfrm>
+          <a:prstGeom prst="rect">
+            <a:avLst/>
+          </a:prstGeom>
+          <a:noFill/>
+        </p:spPr>
+        <p:txBody>
+          <a:bodyPr wrap="square" rtlCol="0">
+            <a:spAutoFit/>
+          </a:bodyPr>
+          <a:lstStyle/>
+          <a:p>
+            <a:r>
+              <a:rPr lang="hu-HU" dirty="0"/>
+              <a:t>N.O 17</a:t>
+            </a:r>
+          </a:p>
+        </p:txBody>
+      </p:sp>
+      <p:sp>
+        <p:nvSpPr>
+          <p:cNvPr id="11" name="Szövegdoboz 10">
+            <a:extLst>
+              <a:ext uri="{FF2B5EF4-FFF2-40B4-BE49-F238E27FC236}">
+                <a16:creationId xmlns:a16="http://schemas.microsoft.com/office/drawing/2014/main" id="{2AC36B0C-6C53-1A85-DAD5-9C71E8AFAD99}"/>
+              </a:ext>
+            </a:extLst>
+          </p:cNvPr>
+          <p:cNvSpPr txBox="1"/>
+          <p:nvPr/>
+        </p:nvSpPr>
+        <p:spPr>
+          <a:xfrm>
+            <a:off x="10200477" y="4821793"/>
+            <a:ext cx="716509" cy="369332"/>
+          </a:xfrm>
+          <a:prstGeom prst="rect">
+            <a:avLst/>
+          </a:prstGeom>
+          <a:noFill/>
+        </p:spPr>
+        <p:txBody>
+          <a:bodyPr wrap="square" rtlCol="0">
+            <a:spAutoFit/>
+          </a:bodyPr>
+          <a:lstStyle/>
+          <a:p>
+            <a:r>
+              <a:rPr lang="hu-HU" dirty="0"/>
+              <a:t>N.O 9</a:t>
+            </a:r>
+          </a:p>
+        </p:txBody>
+      </p:sp>
+    </p:spTree>
+    <p:extLst>
+      <p:ext uri="{BB962C8B-B14F-4D97-AF65-F5344CB8AC3E}">
+        <p14:creationId xmlns:p14="http://schemas.microsoft.com/office/powerpoint/2010/main" val="4165527075"/>
+      </p:ext>
+    </p:extLst>
+  </p:cSld>
+  <p:clrMapOvr>
+    <a:masterClrMapping/>
+  </p:clrMapOvr>
+</p:sld>
+</file>
+
+<file path=ppt/slides/slide5.xml><?xml version="1.0" encoding="utf-8"?>
+<p:sld xmlns:a="http://schemas.openxmlformats.org/drawingml/2006/main" xmlns:r="http://schemas.openxmlformats.org/officeDocument/2006/relationships" xmlns:p="http://schemas.openxmlformats.org/presentationml/2006/main">
+  <p:cSld>
+    <p:spTree>
+      <p:nvGrpSpPr>
+        <p:cNvPr id="1" name=""/>
+        <p:cNvGrpSpPr/>
+        <p:nvPr/>
+      </p:nvGrpSpPr>
+      <p:grpSpPr>
+        <a:xfrm>
+          <a:off x="0" y="0"/>
+          <a:ext cx="0" cy="0"/>
+          <a:chOff x="0" y="0"/>
+          <a:chExt cx="0" cy="0"/>
+        </a:xfrm>
+      </p:grpSpPr>
+      <p:sp>
+        <p:nvSpPr>
+          <p:cNvPr id="2" name="Cím 1">
+            <a:extLst>
+              <a:ext uri="{FF2B5EF4-FFF2-40B4-BE49-F238E27FC236}">
+                <a16:creationId xmlns:a16="http://schemas.microsoft.com/office/drawing/2014/main" id="{CE0014DE-F40B-C89E-D697-6485D142A500}"/>
+              </a:ext>
+            </a:extLst>
+          </p:cNvPr>
+          <p:cNvSpPr>
+            <a:spLocks noGrp="1"/>
+          </p:cNvSpPr>
+          <p:nvPr>
+            <p:ph type="title"/>
+          </p:nvPr>
+        </p:nvSpPr>
+        <p:spPr/>
+        <p:txBody>
+          <a:bodyPr/>
+          <a:lstStyle/>
+          <a:p>
+            <a:r>
+              <a:rPr lang="hu-HU" dirty="0"/>
+              <a:t>Források</a:t>
+            </a:r>
+          </a:p>
+        </p:txBody>
+      </p:sp>
+      <p:sp>
+        <p:nvSpPr>
+          <p:cNvPr id="3" name="Tartalom helye 2">
+            <a:extLst>
+              <a:ext uri="{FF2B5EF4-FFF2-40B4-BE49-F238E27FC236}">
+                <a16:creationId xmlns:a16="http://schemas.microsoft.com/office/drawing/2014/main" id="{B0510014-3F59-AE68-A8DB-AEAA333623E5}"/>
+              </a:ext>
+            </a:extLst>
+          </p:cNvPr>
+          <p:cNvSpPr>
+            <a:spLocks noGrp="1"/>
+          </p:cNvSpPr>
+          <p:nvPr>
+            <p:ph idx="1"/>
+          </p:nvPr>
+        </p:nvSpPr>
+        <p:spPr/>
+        <p:txBody>
+          <a:bodyPr/>
+          <a:lstStyle/>
+          <a:p>
+            <a:r>
+              <a:rPr lang="hu-HU" dirty="0" err="1"/>
+              <a:t>Heavy</a:t>
+            </a:r>
+            <a:r>
+              <a:rPr lang="hu-HU" dirty="0"/>
+              <a:t> </a:t>
+            </a:r>
+            <a:r>
+              <a:rPr lang="hu-HU" dirty="0" err="1"/>
+              <a:t>Rain</a:t>
+            </a:r>
+            <a:endParaRPr lang="hu-HU" dirty="0"/>
+          </a:p>
+          <a:p>
+            <a:r>
+              <a:rPr lang="hu-HU" dirty="0" err="1"/>
+              <a:t>Detroit:Become</a:t>
+            </a:r>
+            <a:r>
+              <a:rPr lang="hu-HU" dirty="0"/>
+              <a:t> Human</a:t>
+            </a:r>
+          </a:p>
+          <a:p>
+            <a:r>
+              <a:rPr lang="hu-HU" dirty="0" err="1"/>
+              <a:t>Beyond</a:t>
+            </a:r>
+            <a:r>
+              <a:rPr lang="hu-HU" dirty="0"/>
+              <a:t> </a:t>
+            </a:r>
+            <a:r>
+              <a:rPr lang="hu-HU" dirty="0" err="1"/>
+              <a:t>Two</a:t>
+            </a:r>
+            <a:r>
+              <a:rPr lang="hu-HU" dirty="0"/>
+              <a:t> </a:t>
+            </a:r>
+            <a:r>
+              <a:rPr lang="hu-HU" dirty="0" err="1"/>
+              <a:t>Souls</a:t>
+            </a:r>
+            <a:endParaRPr lang="hu-HU" dirty="0"/>
+          </a:p>
+        </p:txBody>
+      </p:sp>
+    </p:spTree>
+    <p:extLst>
+      <p:ext uri="{BB962C8B-B14F-4D97-AF65-F5344CB8AC3E}">
+        <p14:creationId xmlns:p14="http://schemas.microsoft.com/office/powerpoint/2010/main" val="3121605565"/>
       </p:ext>
     </p:extLst>
   </p:cSld>

--- a/jatekbemutato.pptx
+++ b/jatekbemutato.pptx
@@ -132,7 +132,7 @@
 <file path=ppt/revisionInfo.xml><?xml version="1.0" encoding="utf-8"?>
 <p1510:revInfo xmlns:a="http://schemas.openxmlformats.org/drawingml/2006/main" xmlns:r="http://schemas.openxmlformats.org/officeDocument/2006/relationships" xmlns:p1510="http://schemas.microsoft.com/office/powerpoint/2015/10/main">
   <p1510:revLst>
-    <p1510:client id="{34E8C8A4-3ACB-4D8B-8D7E-A4A442CE5776}" v="28" dt="2024-01-05T11:36:54.369"/>
+    <p1510:client id="{34E8C8A4-3ACB-4D8B-8D7E-A4A442CE5776}" v="31" dt="2024-01-05T11:40:35.590"/>
   </p1510:revLst>
 </p1510:revInfo>
 </file>
@@ -142,7 +142,7 @@
   <pc:docChgLst>
     <pc:chgData name="Jovanovski Viktor" userId="20e7a454bccbadbb" providerId="LiveId" clId="{34E8C8A4-3ACB-4D8B-8D7E-A4A442CE5776}"/>
     <pc:docChg chg="undo custSel addSld delSld modSld addSection delSection modSection">
-      <pc:chgData name="Jovanovski Viktor" userId="20e7a454bccbadbb" providerId="LiveId" clId="{34E8C8A4-3ACB-4D8B-8D7E-A4A442CE5776}" dt="2024-01-05T11:37:50.397" v="961" actId="1076"/>
+      <pc:chgData name="Jovanovski Viktor" userId="20e7a454bccbadbb" providerId="LiveId" clId="{34E8C8A4-3ACB-4D8B-8D7E-A4A442CE5776}" dt="2024-01-05T11:40:39.918" v="992"/>
       <pc:docMkLst>
         <pc:docMk/>
       </pc:docMkLst>
@@ -598,7 +598,7 @@
         </pc:picChg>
       </pc:sldChg>
       <pc:sldChg chg="modSp new mod">
-        <pc:chgData name="Jovanovski Viktor" userId="20e7a454bccbadbb" providerId="LiveId" clId="{34E8C8A4-3ACB-4D8B-8D7E-A4A442CE5776}" dt="2024-01-05T11:35:20.849" v="888" actId="20577"/>
+        <pc:chgData name="Jovanovski Viktor" userId="20e7a454bccbadbb" providerId="LiveId" clId="{34E8C8A4-3ACB-4D8B-8D7E-A4A442CE5776}" dt="2024-01-05T11:40:39.918" v="992"/>
         <pc:sldMkLst>
           <pc:docMk/>
           <pc:sldMk cId="3121605565" sldId="260"/>
@@ -612,7 +612,7 @@
           </ac:spMkLst>
         </pc:spChg>
         <pc:spChg chg="mod">
-          <ac:chgData name="Jovanovski Viktor" userId="20e7a454bccbadbb" providerId="LiveId" clId="{34E8C8A4-3ACB-4D8B-8D7E-A4A442CE5776}" dt="2024-01-05T11:35:20.849" v="888" actId="20577"/>
+          <ac:chgData name="Jovanovski Viktor" userId="20e7a454bccbadbb" providerId="LiveId" clId="{34E8C8A4-3ACB-4D8B-8D7E-A4A442CE5776}" dt="2024-01-05T11:40:39.918" v="992"/>
           <ac:spMkLst>
             <pc:docMk/>
             <pc:sldMk cId="3121605565" sldId="260"/>
@@ -4670,7 +4670,9 @@
         </p:nvSpPr>
         <p:spPr/>
         <p:txBody>
-          <a:bodyPr/>
+          <a:bodyPr>
+            <a:normAutofit lnSpcReduction="10000"/>
+          </a:bodyPr>
           <a:lstStyle/>
           <a:p>
             <a:r>
@@ -4685,6 +4687,23 @@
               <a:rPr lang="hu-HU" dirty="0" err="1"/>
               <a:t>Rain</a:t>
             </a:r>
+            <a:r>
+              <a:rPr lang="hu-HU" dirty="0"/>
+              <a:t>: </a:t>
+            </a:r>
+          </a:p>
+          <a:p>
+            <a:pPr marL="0" indent="0">
+              <a:buNone/>
+            </a:pPr>
+            <a:r>
+              <a:rPr lang="hu-HU" b="0" i="0" dirty="0">
+                <a:effectLst/>
+                <a:latin typeface="inherit"/>
+                <a:hlinkClick r:id="rId2" tooltip="https://www.youtube.com/watch?v=YVYiJ3VSp60"/>
+              </a:rPr>
+              <a:t>https://www.youtube.com/watch?v=YVYiJ3VSp60</a:t>
+            </a:r>
             <a:endParaRPr lang="hu-HU" dirty="0"/>
           </a:p>
           <a:p>
@@ -4694,8 +4713,72 @@
             </a:r>
             <a:r>
               <a:rPr lang="hu-HU" dirty="0"/>
-              <a:t> Human</a:t>
-            </a:r>
+              <a:t> Human:</a:t>
+            </a:r>
+          </a:p>
+          <a:p>
+            <a:pPr marL="0" indent="0">
+              <a:buNone/>
+            </a:pPr>
+            <a:r>
+              <a:rPr lang="hu-HU" b="0" i="0" u="sng" dirty="0">
+                <a:effectLst/>
+                <a:latin typeface="inherit"/>
+                <a:hlinkClick r:id="rId3" tooltip="https://www.youtube.com/watch?v=UC3txw0CycQ"/>
+              </a:rPr>
+              <a:t>https://www.youtube.com/watch?v=UC3txw0CycQ</a:t>
+            </a:r>
+            <a:endParaRPr lang="hu-HU" b="0" i="0" u="sng" dirty="0">
+              <a:effectLst/>
+              <a:latin typeface="inherit"/>
+            </a:endParaRPr>
+          </a:p>
+          <a:p>
+            <a:pPr marL="0" indent="0">
+              <a:buNone/>
+            </a:pPr>
+            <a:r>
+              <a:rPr lang="hu-HU" b="0" i="0" dirty="0">
+                <a:effectLst/>
+                <a:latin typeface="inherit"/>
+                <a:hlinkClick r:id="rId4" tooltip="https://www.youtube.com/watch?v=k6d4tM0zmVU&amp;t=14s"/>
+              </a:rPr>
+              <a:t>https://www.youtube.com/watch?v=k6d4tM0zmVU&amp;t=14s</a:t>
+            </a:r>
+            <a:endParaRPr lang="hu-HU" u="sng" dirty="0">
+              <a:latin typeface="inherit"/>
+            </a:endParaRPr>
+          </a:p>
+          <a:p>
+            <a:pPr marL="0" indent="0">
+              <a:buNone/>
+            </a:pPr>
+            <a:r>
+              <a:rPr lang="hu-HU" b="0" i="0" dirty="0">
+                <a:effectLst/>
+                <a:latin typeface="inherit"/>
+                <a:hlinkClick r:id="rId5" tooltip="https://www.youtube.com/watch?v=08903ZXeOyY&amp;t=10s"/>
+              </a:rPr>
+              <a:t>https://www.youtube.com/watch?v=08903ZXeOyY&amp;t=10s</a:t>
+            </a:r>
+            <a:endParaRPr lang="hu-HU" b="0" i="0" u="sng" dirty="0">
+              <a:effectLst/>
+              <a:latin typeface="inherit"/>
+            </a:endParaRPr>
+          </a:p>
+          <a:p>
+            <a:pPr marL="0" indent="0">
+              <a:buNone/>
+            </a:pPr>
+            <a:r>
+              <a:rPr lang="hu-HU" b="0" i="0" dirty="0">
+                <a:effectLst/>
+                <a:latin typeface="inherit"/>
+                <a:hlinkClick r:id="rId6" tooltip="https://www.youtube.com/watch?v=twJkYjotg_c"/>
+              </a:rPr>
+              <a:t>https://www.youtube.com/watch?v=twJkYjotg_c</a:t>
+            </a:r>
+            <a:endParaRPr lang="hu-HU" dirty="0"/>
           </a:p>
           <a:p>
             <a:r>
@@ -4717,6 +4800,23 @@
             <a:r>
               <a:rPr lang="hu-HU" dirty="0" err="1"/>
               <a:t>Souls</a:t>
+            </a:r>
+            <a:r>
+              <a:rPr lang="hu-HU" dirty="0"/>
+              <a:t>:</a:t>
+            </a:r>
+          </a:p>
+          <a:p>
+            <a:pPr marL="0" indent="0">
+              <a:buNone/>
+            </a:pPr>
+            <a:r>
+              <a:rPr lang="hu-HU" b="0" i="0" dirty="0">
+                <a:effectLst/>
+                <a:latin typeface="inherit"/>
+                <a:hlinkClick r:id="rId7" tooltip="https://www.youtube.com/watch?v=MtEoS0MaNyA"/>
+              </a:rPr>
+              <a:t>https://www.youtube.com/watch?v=MtEoS0MaNyA</a:t>
             </a:r>
             <a:endParaRPr lang="hu-HU" dirty="0"/>
           </a:p>

--- a/jatekbemutato.pptx
+++ b/jatekbemutato.pptx
@@ -132,7 +132,7 @@
 <file path=ppt/revisionInfo.xml><?xml version="1.0" encoding="utf-8"?>
 <p1510:revInfo xmlns:a="http://schemas.openxmlformats.org/drawingml/2006/main" xmlns:r="http://schemas.openxmlformats.org/officeDocument/2006/relationships" xmlns:p1510="http://schemas.microsoft.com/office/powerpoint/2015/10/main">
   <p1510:revLst>
-    <p1510:client id="{34E8C8A4-3ACB-4D8B-8D7E-A4A442CE5776}" v="31" dt="2024-01-05T11:40:35.590"/>
+    <p1510:client id="{34E8C8A4-3ACB-4D8B-8D7E-A4A442CE5776}" v="40" dt="2024-01-05T11:58:09.177"/>
   </p1510:revLst>
 </p1510:revInfo>
 </file>
@@ -141,19 +141,19 @@
 <pc:chgInfo xmlns:a="http://schemas.openxmlformats.org/drawingml/2006/main" xmlns:r="http://schemas.openxmlformats.org/officeDocument/2006/relationships" xmlns:ac="http://schemas.microsoft.com/office/drawing/2013/main/command" xmlns:pc="http://schemas.microsoft.com/office/powerpoint/2013/main/command">
   <pc:docChgLst>
     <pc:chgData name="Jovanovski Viktor" userId="20e7a454bccbadbb" providerId="LiveId" clId="{34E8C8A4-3ACB-4D8B-8D7E-A4A442CE5776}"/>
-    <pc:docChg chg="undo custSel addSld delSld modSld addSection delSection modSection">
-      <pc:chgData name="Jovanovski Viktor" userId="20e7a454bccbadbb" providerId="LiveId" clId="{34E8C8A4-3ACB-4D8B-8D7E-A4A442CE5776}" dt="2024-01-05T11:40:39.918" v="992"/>
+    <pc:docChg chg="undo custSel addSld delSld modSld modMainMaster addSection delSection modSection">
+      <pc:chgData name="Jovanovski Viktor" userId="20e7a454bccbadbb" providerId="LiveId" clId="{34E8C8A4-3ACB-4D8B-8D7E-A4A442CE5776}" dt="2024-01-05T11:58:13.195" v="1138" actId="1076"/>
       <pc:docMkLst>
         <pc:docMk/>
       </pc:docMkLst>
-      <pc:sldChg chg="delSp modSp new mod">
-        <pc:chgData name="Jovanovski Viktor" userId="20e7a454bccbadbb" providerId="LiveId" clId="{34E8C8A4-3ACB-4D8B-8D7E-A4A442CE5776}" dt="2024-01-05T11:02:02.348" v="62" actId="20577"/>
+      <pc:sldChg chg="delSp modSp new mod setBg">
+        <pc:chgData name="Jovanovski Viktor" userId="20e7a454bccbadbb" providerId="LiveId" clId="{34E8C8A4-3ACB-4D8B-8D7E-A4A442CE5776}" dt="2024-01-05T11:57:56.971" v="1135"/>
         <pc:sldMkLst>
           <pc:docMk/>
           <pc:sldMk cId="1695066431" sldId="256"/>
         </pc:sldMkLst>
         <pc:spChg chg="mod">
-          <ac:chgData name="Jovanovski Viktor" userId="20e7a454bccbadbb" providerId="LiveId" clId="{34E8C8A4-3ACB-4D8B-8D7E-A4A442CE5776}" dt="2024-01-05T11:02:02.348" v="62" actId="20577"/>
+          <ac:chgData name="Jovanovski Viktor" userId="20e7a454bccbadbb" providerId="LiveId" clId="{34E8C8A4-3ACB-4D8B-8D7E-A4A442CE5776}" dt="2024-01-05T11:49:06.317" v="993" actId="2711"/>
           <ac:spMkLst>
             <pc:docMk/>
             <pc:sldMk cId="1695066431" sldId="256"/>
@@ -169,8 +169,8 @@
           </ac:spMkLst>
         </pc:spChg>
       </pc:sldChg>
-      <pc:sldChg chg="addSp delSp modSp new mod">
-        <pc:chgData name="Jovanovski Viktor" userId="20e7a454bccbadbb" providerId="LiveId" clId="{34E8C8A4-3ACB-4D8B-8D7E-A4A442CE5776}" dt="2024-01-04T16:07:44.656" v="18" actId="1076"/>
+      <pc:sldChg chg="addSp delSp modSp new mod setBg">
+        <pc:chgData name="Jovanovski Viktor" userId="20e7a454bccbadbb" providerId="LiveId" clId="{34E8C8A4-3ACB-4D8B-8D7E-A4A442CE5776}" dt="2024-01-05T11:58:13.195" v="1138" actId="1076"/>
         <pc:sldMkLst>
           <pc:docMk/>
           <pc:sldMk cId="2491181642" sldId="257"/>
@@ -192,7 +192,7 @@
           </ac:spMkLst>
         </pc:spChg>
         <pc:picChg chg="add mod">
-          <ac:chgData name="Jovanovski Viktor" userId="20e7a454bccbadbb" providerId="LiveId" clId="{34E8C8A4-3ACB-4D8B-8D7E-A4A442CE5776}" dt="2024-01-04T16:07:44.656" v="18" actId="1076"/>
+          <ac:chgData name="Jovanovski Viktor" userId="20e7a454bccbadbb" providerId="LiveId" clId="{34E8C8A4-3ACB-4D8B-8D7E-A4A442CE5776}" dt="2024-01-05T11:58:13.195" v="1138" actId="1076"/>
           <ac:picMkLst>
             <pc:docMk/>
             <pc:sldMk cId="2491181642" sldId="257"/>
@@ -201,13 +201,13 @@
         </pc:picChg>
       </pc:sldChg>
       <pc:sldChg chg="addSp delSp modSp new mod">
-        <pc:chgData name="Jovanovski Viktor" userId="20e7a454bccbadbb" providerId="LiveId" clId="{34E8C8A4-3ACB-4D8B-8D7E-A4A442CE5776}" dt="2024-01-05T11:36:05.855" v="908" actId="1076"/>
+        <pc:chgData name="Jovanovski Viktor" userId="20e7a454bccbadbb" providerId="LiveId" clId="{34E8C8A4-3ACB-4D8B-8D7E-A4A442CE5776}" dt="2024-01-05T11:57:05.332" v="1130" actId="1076"/>
         <pc:sldMkLst>
           <pc:docMk/>
           <pc:sldMk cId="2561747689" sldId="258"/>
         </pc:sldMkLst>
         <pc:spChg chg="mod">
-          <ac:chgData name="Jovanovski Viktor" userId="20e7a454bccbadbb" providerId="LiveId" clId="{34E8C8A4-3ACB-4D8B-8D7E-A4A442CE5776}" dt="2024-01-05T11:09:11.897" v="324" actId="1076"/>
+          <ac:chgData name="Jovanovski Viktor" userId="20e7a454bccbadbb" providerId="LiveId" clId="{34E8C8A4-3ACB-4D8B-8D7E-A4A442CE5776}" dt="2024-01-05T11:56:52.708" v="1127" actId="1076"/>
           <ac:spMkLst>
             <pc:docMk/>
             <pc:sldMk cId="2561747689" sldId="258"/>
@@ -231,7 +231,7 @@
           </ac:spMkLst>
         </pc:spChg>
         <pc:spChg chg="add mod">
-          <ac:chgData name="Jovanovski Viktor" userId="20e7a454bccbadbb" providerId="LiveId" clId="{34E8C8A4-3ACB-4D8B-8D7E-A4A442CE5776}" dt="2024-01-05T11:07:42.994" v="280" actId="1076"/>
+          <ac:chgData name="Jovanovski Viktor" userId="20e7a454bccbadbb" providerId="LiveId" clId="{34E8C8A4-3ACB-4D8B-8D7E-A4A442CE5776}" dt="2024-01-05T11:57:01.988" v="1129" actId="1076"/>
           <ac:spMkLst>
             <pc:docMk/>
             <pc:sldMk cId="2561747689" sldId="258"/>
@@ -255,7 +255,7 @@
           </ac:spMkLst>
         </pc:spChg>
         <pc:spChg chg="add mod">
-          <ac:chgData name="Jovanovski Viktor" userId="20e7a454bccbadbb" providerId="LiveId" clId="{34E8C8A4-3ACB-4D8B-8D7E-A4A442CE5776}" dt="2024-01-05T11:36:05.855" v="908" actId="1076"/>
+          <ac:chgData name="Jovanovski Viktor" userId="20e7a454bccbadbb" providerId="LiveId" clId="{34E8C8A4-3ACB-4D8B-8D7E-A4A442CE5776}" dt="2024-01-05T11:57:05.332" v="1130" actId="1076"/>
           <ac:spMkLst>
             <pc:docMk/>
             <pc:sldMk cId="2561747689" sldId="258"/>
@@ -279,7 +279,7 @@
           </ac:spMkLst>
         </pc:spChg>
         <pc:spChg chg="add mod">
-          <ac:chgData name="Jovanovski Viktor" userId="20e7a454bccbadbb" providerId="LiveId" clId="{34E8C8A4-3ACB-4D8B-8D7E-A4A442CE5776}" dt="2024-01-05T11:29:41.198" v="681" actId="1076"/>
+          <ac:chgData name="Jovanovski Viktor" userId="20e7a454bccbadbb" providerId="LiveId" clId="{34E8C8A4-3ACB-4D8B-8D7E-A4A442CE5776}" dt="2024-01-05T11:56:48.140" v="1126" actId="1076"/>
           <ac:spMkLst>
             <pc:docMk/>
             <pc:sldMk cId="2561747689" sldId="258"/>
@@ -287,7 +287,7 @@
           </ac:spMkLst>
         </pc:spChg>
         <pc:spChg chg="add mod">
-          <ac:chgData name="Jovanovski Viktor" userId="20e7a454bccbadbb" providerId="LiveId" clId="{34E8C8A4-3ACB-4D8B-8D7E-A4A442CE5776}" dt="2024-01-05T11:29:43.317" v="682" actId="1076"/>
+          <ac:chgData name="Jovanovski Viktor" userId="20e7a454bccbadbb" providerId="LiveId" clId="{34E8C8A4-3ACB-4D8B-8D7E-A4A442CE5776}" dt="2024-01-05T11:56:44.396" v="1125" actId="1076"/>
           <ac:spMkLst>
             <pc:docMk/>
             <pc:sldMk cId="2561747689" sldId="258"/>
@@ -431,7 +431,7 @@
           </ac:picMkLst>
         </pc:picChg>
         <pc:picChg chg="add mod">
-          <ac:chgData name="Jovanovski Viktor" userId="20e7a454bccbadbb" providerId="LiveId" clId="{34E8C8A4-3ACB-4D8B-8D7E-A4A442CE5776}" dt="2024-01-05T11:23:04.627" v="530" actId="1076"/>
+          <ac:chgData name="Jovanovski Viktor" userId="20e7a454bccbadbb" providerId="LiveId" clId="{34E8C8A4-3ACB-4D8B-8D7E-A4A442CE5776}" dt="2024-01-05T11:56:38.772" v="1124" actId="1076"/>
           <ac:picMkLst>
             <pc:docMk/>
             <pc:sldMk cId="2561747689" sldId="258"/>
@@ -463,7 +463,7 @@
           </ac:picMkLst>
         </pc:picChg>
         <pc:picChg chg="add mod">
-          <ac:chgData name="Jovanovski Viktor" userId="20e7a454bccbadbb" providerId="LiveId" clId="{34E8C8A4-3ACB-4D8B-8D7E-A4A442CE5776}" dt="2024-01-05T11:29:35.958" v="680" actId="1076"/>
+          <ac:chgData name="Jovanovski Viktor" userId="20e7a454bccbadbb" providerId="LiveId" clId="{34E8C8A4-3ACB-4D8B-8D7E-A4A442CE5776}" dt="2024-01-05T11:56:33.661" v="1122" actId="1076"/>
           <ac:picMkLst>
             <pc:docMk/>
             <pc:sldMk cId="2561747689" sldId="258"/>
@@ -471,7 +471,7 @@
           </ac:picMkLst>
         </pc:picChg>
         <pc:picChg chg="add mod">
-          <ac:chgData name="Jovanovski Viktor" userId="20e7a454bccbadbb" providerId="LiveId" clId="{34E8C8A4-3ACB-4D8B-8D7E-A4A442CE5776}" dt="2024-01-05T11:30:36.237" v="694" actId="1076"/>
+          <ac:chgData name="Jovanovski Viktor" userId="20e7a454bccbadbb" providerId="LiveId" clId="{34E8C8A4-3ACB-4D8B-8D7E-A4A442CE5776}" dt="2024-01-05T11:56:35.581" v="1123" actId="1076"/>
           <ac:picMkLst>
             <pc:docMk/>
             <pc:sldMk cId="2561747689" sldId="258"/>
@@ -597,8 +597,8 @@
           </ac:picMkLst>
         </pc:picChg>
       </pc:sldChg>
-      <pc:sldChg chg="modSp new mod">
-        <pc:chgData name="Jovanovski Viktor" userId="20e7a454bccbadbb" providerId="LiveId" clId="{34E8C8A4-3ACB-4D8B-8D7E-A4A442CE5776}" dt="2024-01-05T11:40:39.918" v="992"/>
+      <pc:sldChg chg="addSp modSp new mod">
+        <pc:chgData name="Jovanovski Viktor" userId="20e7a454bccbadbb" providerId="LiveId" clId="{34E8C8A4-3ACB-4D8B-8D7E-A4A442CE5776}" dt="2024-01-05T11:54:59.390" v="1121" actId="1076"/>
         <pc:sldMkLst>
           <pc:docMk/>
           <pc:sldMk cId="3121605565" sldId="260"/>
@@ -612,14 +612,117 @@
           </ac:spMkLst>
         </pc:spChg>
         <pc:spChg chg="mod">
-          <ac:chgData name="Jovanovski Viktor" userId="20e7a454bccbadbb" providerId="LiveId" clId="{34E8C8A4-3ACB-4D8B-8D7E-A4A442CE5776}" dt="2024-01-05T11:40:39.918" v="992"/>
+          <ac:chgData name="Jovanovski Viktor" userId="20e7a454bccbadbb" providerId="LiveId" clId="{34E8C8A4-3ACB-4D8B-8D7E-A4A442CE5776}" dt="2024-01-05T11:54:04.301" v="1079" actId="27636"/>
           <ac:spMkLst>
             <pc:docMk/>
             <pc:sldMk cId="3121605565" sldId="260"/>
             <ac:spMk id="3" creationId="{B0510014-3F59-AE68-A8DB-AEAA333623E5}"/>
           </ac:spMkLst>
         </pc:spChg>
+        <pc:spChg chg="add mod">
+          <ac:chgData name="Jovanovski Viktor" userId="20e7a454bccbadbb" providerId="LiveId" clId="{34E8C8A4-3ACB-4D8B-8D7E-A4A442CE5776}" dt="2024-01-05T11:54:59.390" v="1121" actId="1076"/>
+          <ac:spMkLst>
+            <pc:docMk/>
+            <pc:sldMk cId="3121605565" sldId="260"/>
+            <ac:spMk id="4" creationId="{AFDE22B7-E1D8-44C2-AEB1-F6F80B88A264}"/>
+          </ac:spMkLst>
+        </pc:spChg>
       </pc:sldChg>
+      <pc:sldMasterChg chg="setBg modSldLayout">
+        <pc:chgData name="Jovanovski Viktor" userId="20e7a454bccbadbb" providerId="LiveId" clId="{34E8C8A4-3ACB-4D8B-8D7E-A4A442CE5776}" dt="2024-01-05T11:57:56.971" v="1135"/>
+        <pc:sldMasterMkLst>
+          <pc:docMk/>
+          <pc:sldMasterMk cId="643476633" sldId="2147483648"/>
+        </pc:sldMasterMkLst>
+        <pc:sldLayoutChg chg="setBg">
+          <pc:chgData name="Jovanovski Viktor" userId="20e7a454bccbadbb" providerId="LiveId" clId="{34E8C8A4-3ACB-4D8B-8D7E-A4A442CE5776}" dt="2024-01-05T11:57:56.971" v="1135"/>
+          <pc:sldLayoutMkLst>
+            <pc:docMk/>
+            <pc:sldMasterMk cId="643476633" sldId="2147483648"/>
+            <pc:sldLayoutMk cId="2979069361" sldId="2147483649"/>
+          </pc:sldLayoutMkLst>
+        </pc:sldLayoutChg>
+        <pc:sldLayoutChg chg="setBg">
+          <pc:chgData name="Jovanovski Viktor" userId="20e7a454bccbadbb" providerId="LiveId" clId="{34E8C8A4-3ACB-4D8B-8D7E-A4A442CE5776}" dt="2024-01-05T11:57:56.971" v="1135"/>
+          <pc:sldLayoutMkLst>
+            <pc:docMk/>
+            <pc:sldMasterMk cId="643476633" sldId="2147483648"/>
+            <pc:sldLayoutMk cId="3412905981" sldId="2147483650"/>
+          </pc:sldLayoutMkLst>
+        </pc:sldLayoutChg>
+        <pc:sldLayoutChg chg="setBg">
+          <pc:chgData name="Jovanovski Viktor" userId="20e7a454bccbadbb" providerId="LiveId" clId="{34E8C8A4-3ACB-4D8B-8D7E-A4A442CE5776}" dt="2024-01-05T11:57:56.971" v="1135"/>
+          <pc:sldLayoutMkLst>
+            <pc:docMk/>
+            <pc:sldMasterMk cId="643476633" sldId="2147483648"/>
+            <pc:sldLayoutMk cId="3079831969" sldId="2147483651"/>
+          </pc:sldLayoutMkLst>
+        </pc:sldLayoutChg>
+        <pc:sldLayoutChg chg="setBg">
+          <pc:chgData name="Jovanovski Viktor" userId="20e7a454bccbadbb" providerId="LiveId" clId="{34E8C8A4-3ACB-4D8B-8D7E-A4A442CE5776}" dt="2024-01-05T11:57:56.971" v="1135"/>
+          <pc:sldLayoutMkLst>
+            <pc:docMk/>
+            <pc:sldMasterMk cId="643476633" sldId="2147483648"/>
+            <pc:sldLayoutMk cId="3437043353" sldId="2147483652"/>
+          </pc:sldLayoutMkLst>
+        </pc:sldLayoutChg>
+        <pc:sldLayoutChg chg="setBg">
+          <pc:chgData name="Jovanovski Viktor" userId="20e7a454bccbadbb" providerId="LiveId" clId="{34E8C8A4-3ACB-4D8B-8D7E-A4A442CE5776}" dt="2024-01-05T11:57:56.971" v="1135"/>
+          <pc:sldLayoutMkLst>
+            <pc:docMk/>
+            <pc:sldMasterMk cId="643476633" sldId="2147483648"/>
+            <pc:sldLayoutMk cId="2374236310" sldId="2147483653"/>
+          </pc:sldLayoutMkLst>
+        </pc:sldLayoutChg>
+        <pc:sldLayoutChg chg="setBg">
+          <pc:chgData name="Jovanovski Viktor" userId="20e7a454bccbadbb" providerId="LiveId" clId="{34E8C8A4-3ACB-4D8B-8D7E-A4A442CE5776}" dt="2024-01-05T11:57:56.971" v="1135"/>
+          <pc:sldLayoutMkLst>
+            <pc:docMk/>
+            <pc:sldMasterMk cId="643476633" sldId="2147483648"/>
+            <pc:sldLayoutMk cId="2273260390" sldId="2147483654"/>
+          </pc:sldLayoutMkLst>
+        </pc:sldLayoutChg>
+        <pc:sldLayoutChg chg="setBg">
+          <pc:chgData name="Jovanovski Viktor" userId="20e7a454bccbadbb" providerId="LiveId" clId="{34E8C8A4-3ACB-4D8B-8D7E-A4A442CE5776}" dt="2024-01-05T11:57:56.971" v="1135"/>
+          <pc:sldLayoutMkLst>
+            <pc:docMk/>
+            <pc:sldMasterMk cId="643476633" sldId="2147483648"/>
+            <pc:sldLayoutMk cId="3343799004" sldId="2147483655"/>
+          </pc:sldLayoutMkLst>
+        </pc:sldLayoutChg>
+        <pc:sldLayoutChg chg="setBg">
+          <pc:chgData name="Jovanovski Viktor" userId="20e7a454bccbadbb" providerId="LiveId" clId="{34E8C8A4-3ACB-4D8B-8D7E-A4A442CE5776}" dt="2024-01-05T11:57:56.971" v="1135"/>
+          <pc:sldLayoutMkLst>
+            <pc:docMk/>
+            <pc:sldMasterMk cId="643476633" sldId="2147483648"/>
+            <pc:sldLayoutMk cId="100223010" sldId="2147483656"/>
+          </pc:sldLayoutMkLst>
+        </pc:sldLayoutChg>
+        <pc:sldLayoutChg chg="setBg">
+          <pc:chgData name="Jovanovski Viktor" userId="20e7a454bccbadbb" providerId="LiveId" clId="{34E8C8A4-3ACB-4D8B-8D7E-A4A442CE5776}" dt="2024-01-05T11:57:56.971" v="1135"/>
+          <pc:sldLayoutMkLst>
+            <pc:docMk/>
+            <pc:sldMasterMk cId="643476633" sldId="2147483648"/>
+            <pc:sldLayoutMk cId="3615268161" sldId="2147483657"/>
+          </pc:sldLayoutMkLst>
+        </pc:sldLayoutChg>
+        <pc:sldLayoutChg chg="setBg">
+          <pc:chgData name="Jovanovski Viktor" userId="20e7a454bccbadbb" providerId="LiveId" clId="{34E8C8A4-3ACB-4D8B-8D7E-A4A442CE5776}" dt="2024-01-05T11:57:56.971" v="1135"/>
+          <pc:sldLayoutMkLst>
+            <pc:docMk/>
+            <pc:sldMasterMk cId="643476633" sldId="2147483648"/>
+            <pc:sldLayoutMk cId="2483804915" sldId="2147483658"/>
+          </pc:sldLayoutMkLst>
+        </pc:sldLayoutChg>
+        <pc:sldLayoutChg chg="setBg">
+          <pc:chgData name="Jovanovski Viktor" userId="20e7a454bccbadbb" providerId="LiveId" clId="{34E8C8A4-3ACB-4D8B-8D7E-A4A442CE5776}" dt="2024-01-05T11:57:56.971" v="1135"/>
+          <pc:sldLayoutMkLst>
+            <pc:docMk/>
+            <pc:sldMasterMk cId="643476633" sldId="2147483648"/>
+            <pc:sldLayoutMk cId="871481983" sldId="2147483659"/>
+          </pc:sldLayoutMkLst>
+        </pc:sldLayoutChg>
+      </pc:sldMasterChg>
     </pc:docChg>
   </pc:docChgLst>
 </pc:chgInfo>
@@ -3258,9 +3361,12 @@
 <p:sldMaster xmlns:a="http://schemas.openxmlformats.org/drawingml/2006/main" xmlns:r="http://schemas.openxmlformats.org/officeDocument/2006/relationships" xmlns:p="http://schemas.openxmlformats.org/presentationml/2006/main">
   <p:cSld>
     <p:bg>
-      <p:bgRef idx="1001">
-        <a:schemeClr val="bg1"/>
-      </p:bgRef>
+      <p:bgPr>
+        <a:solidFill>
+          <a:srgbClr val="C0C0C0"/>
+        </a:solidFill>
+        <a:effectLst/>
+      </p:bgPr>
     </p:bg>
     <p:spTree>
       <p:nvGrpSpPr>
@@ -3861,7 +3967,9 @@
           <a:lstStyle/>
           <a:p>
             <a:r>
-              <a:rPr lang="hu-HU" dirty="0"/>
+              <a:rPr lang="hu-HU" dirty="0">
+                <a:latin typeface="Baskerville Old Face" panose="02020602080505020303" pitchFamily="18" charset="0"/>
+              </a:rPr>
               <a:t>Project Exodus</a:t>
             </a:r>
           </a:p>
@@ -3883,6 +3991,14 @@
 <file path=ppt/slides/slide2.xml><?xml version="1.0" encoding="utf-8"?>
 <p:sld xmlns:a="http://schemas.openxmlformats.org/drawingml/2006/main" xmlns:r="http://schemas.openxmlformats.org/officeDocument/2006/relationships" xmlns:p="http://schemas.openxmlformats.org/presentationml/2006/main">
   <p:cSld>
+    <p:bg>
+      <p:bgPr>
+        <a:solidFill>
+          <a:schemeClr val="bg1"/>
+        </a:solidFill>
+        <a:effectLst/>
+      </p:bgPr>
+    </p:bg>
     <p:spTree>
       <p:nvGrpSpPr>
         <p:cNvPr id="1" name=""/>
@@ -3927,8 +4043,8 @@
         </p:blipFill>
         <p:spPr>
           <a:xfrm>
-            <a:off x="688492" y="1387666"/>
-            <a:ext cx="10815015" cy="4082668"/>
+            <a:off x="364431" y="1265333"/>
+            <a:ext cx="11463137" cy="4327334"/>
           </a:xfrm>
         </p:spPr>
       </p:pic>
@@ -3980,7 +4096,7 @@
         </p:nvSpPr>
         <p:spPr>
           <a:xfrm>
-            <a:off x="4684690" y="273767"/>
+            <a:off x="4927841" y="211327"/>
             <a:ext cx="2336318" cy="1325563"/>
           </a:xfrm>
         </p:spPr>
@@ -4023,7 +4139,7 @@
         </p:blipFill>
         <p:spPr>
           <a:xfrm>
-            <a:off x="698417" y="1783022"/>
+            <a:off x="768439" y="1766266"/>
             <a:ext cx="2302814" cy="2302814"/>
           </a:xfrm>
           <a:prstGeom prst="rect">
@@ -4080,7 +4196,7 @@
         </p:nvSpPr>
         <p:spPr>
           <a:xfrm>
-            <a:off x="9184027" y="1321357"/>
+            <a:off x="9351214" y="1321357"/>
             <a:ext cx="1474237" cy="369332"/>
           </a:xfrm>
           <a:prstGeom prst="rect">
@@ -4115,7 +4231,7 @@
         </p:nvSpPr>
         <p:spPr>
           <a:xfrm>
-            <a:off x="9518402" y="4112629"/>
+            <a:off x="9518401" y="4053066"/>
             <a:ext cx="1139862" cy="369332"/>
           </a:xfrm>
           <a:prstGeom prst="rect">
@@ -4201,7 +4317,7 @@
         </p:blipFill>
         <p:spPr>
           <a:xfrm>
-            <a:off x="4682508" y="1783022"/>
+            <a:off x="4944593" y="1750252"/>
             <a:ext cx="2302814" cy="2302814"/>
           </a:xfrm>
           <a:prstGeom prst="rect">
@@ -4223,7 +4339,7 @@
         </p:nvSpPr>
         <p:spPr>
           <a:xfrm>
-            <a:off x="5189857" y="1321357"/>
+            <a:off x="5433008" y="1352224"/>
             <a:ext cx="1325984" cy="369332"/>
           </a:xfrm>
           <a:prstGeom prst="rect">
@@ -4258,7 +4374,7 @@
         </p:nvSpPr>
         <p:spPr>
           <a:xfrm>
-            <a:off x="5263984" y="4112629"/>
+            <a:off x="5526069" y="4110458"/>
             <a:ext cx="1139862" cy="369332"/>
           </a:xfrm>
           <a:prstGeom prst="rect">
@@ -4308,7 +4424,7 @@
         </p:blipFill>
         <p:spPr>
           <a:xfrm>
-            <a:off x="8761513" y="1809815"/>
+            <a:off x="8928702" y="1754475"/>
             <a:ext cx="2319262" cy="2302814"/>
           </a:xfrm>
           <a:prstGeom prst="rect">
@@ -4668,10 +4784,15 @@
             <p:ph idx="1"/>
           </p:nvPr>
         </p:nvSpPr>
-        <p:spPr/>
+        <p:spPr>
+          <a:xfrm>
+            <a:off x="838200" y="1825625"/>
+            <a:ext cx="10253472" cy="4154551"/>
+          </a:xfrm>
+        </p:spPr>
         <p:txBody>
           <a:bodyPr>
-            <a:normAutofit lnSpcReduction="10000"/>
+            <a:normAutofit fontScale="92500" lnSpcReduction="10000"/>
           </a:bodyPr>
           <a:lstStyle/>
           <a:p>
@@ -4818,7 +4939,48 @@
               </a:rPr>
               <a:t>https://www.youtube.com/watch?v=MtEoS0MaNyA</a:t>
             </a:r>
-            <a:endParaRPr lang="hu-HU" dirty="0"/>
+            <a:endParaRPr lang="hu-HU" b="0" i="0" dirty="0">
+              <a:effectLst/>
+              <a:latin typeface="inherit"/>
+            </a:endParaRPr>
+          </a:p>
+        </p:txBody>
+      </p:sp>
+      <p:sp>
+        <p:nvSpPr>
+          <p:cNvPr id="4" name="Szövegdoboz 3">
+            <a:extLst>
+              <a:ext uri="{FF2B5EF4-FFF2-40B4-BE49-F238E27FC236}">
+                <a16:creationId xmlns:a16="http://schemas.microsoft.com/office/drawing/2014/main" id="{AFDE22B7-E1D8-44C2-AEB1-F6F80B88A264}"/>
+              </a:ext>
+            </a:extLst>
+          </p:cNvPr>
+          <p:cNvSpPr txBox="1"/>
+          <p:nvPr/>
+        </p:nvSpPr>
+        <p:spPr>
+          <a:xfrm>
+            <a:off x="0" y="6492875"/>
+            <a:ext cx="1307592" cy="230832"/>
+          </a:xfrm>
+          <a:prstGeom prst="rect">
+            <a:avLst/>
+          </a:prstGeom>
+          <a:noFill/>
+        </p:spPr>
+        <p:txBody>
+          <a:bodyPr wrap="square" rtlCol="0">
+            <a:spAutoFit/>
+          </a:bodyPr>
+          <a:lstStyle/>
+          <a:p>
+            <a:r>
+              <a:rPr lang="hu-HU" sz="900" dirty="0">
+                <a:latin typeface="inherit"/>
+              </a:rPr>
+              <a:t>A képeket AI generálta!</a:t>
+            </a:r>
+            <a:endParaRPr lang="hu-HU" sz="500" dirty="0"/>
           </a:p>
         </p:txBody>
       </p:sp>
